--- a/flow_rate_chamber/graphics/Diagram Flow Chamber Prototype.pptx
+++ b/flow_rate_chamber/graphics/Diagram Flow Chamber Prototype.pptx
@@ -259,7 +259,7 @@
           <a:p>
             <a:fld id="{443E5224-1D44-324A-A1DD-DBD6D5D42D42}" type="datetimeFigureOut">
               <a:rPr lang="en-US" smtClean="0"/>
-              <a:t>4/25/25</a:t>
+              <a:t>7/22/25</a:t>
             </a:fld>
             <a:endParaRPr lang="en-US"/>
           </a:p>
@@ -457,7 +457,7 @@
           <a:p>
             <a:fld id="{443E5224-1D44-324A-A1DD-DBD6D5D42D42}" type="datetimeFigureOut">
               <a:rPr lang="en-US" smtClean="0"/>
-              <a:t>4/25/25</a:t>
+              <a:t>7/22/25</a:t>
             </a:fld>
             <a:endParaRPr lang="en-US"/>
           </a:p>
@@ -665,7 +665,7 @@
           <a:p>
             <a:fld id="{443E5224-1D44-324A-A1DD-DBD6D5D42D42}" type="datetimeFigureOut">
               <a:rPr lang="en-US" smtClean="0"/>
-              <a:t>4/25/25</a:t>
+              <a:t>7/22/25</a:t>
             </a:fld>
             <a:endParaRPr lang="en-US"/>
           </a:p>
@@ -863,7 +863,7 @@
           <a:p>
             <a:fld id="{443E5224-1D44-324A-A1DD-DBD6D5D42D42}" type="datetimeFigureOut">
               <a:rPr lang="en-US" smtClean="0"/>
-              <a:t>4/25/25</a:t>
+              <a:t>7/22/25</a:t>
             </a:fld>
             <a:endParaRPr lang="en-US"/>
           </a:p>
@@ -1138,7 +1138,7 @@
           <a:p>
             <a:fld id="{443E5224-1D44-324A-A1DD-DBD6D5D42D42}" type="datetimeFigureOut">
               <a:rPr lang="en-US" smtClean="0"/>
-              <a:t>4/25/25</a:t>
+              <a:t>7/22/25</a:t>
             </a:fld>
             <a:endParaRPr lang="en-US"/>
           </a:p>
@@ -1403,7 +1403,7 @@
           <a:p>
             <a:fld id="{443E5224-1D44-324A-A1DD-DBD6D5D42D42}" type="datetimeFigureOut">
               <a:rPr lang="en-US" smtClean="0"/>
-              <a:t>4/25/25</a:t>
+              <a:t>7/22/25</a:t>
             </a:fld>
             <a:endParaRPr lang="en-US"/>
           </a:p>
@@ -1815,7 +1815,7 @@
           <a:p>
             <a:fld id="{443E5224-1D44-324A-A1DD-DBD6D5D42D42}" type="datetimeFigureOut">
               <a:rPr lang="en-US" smtClean="0"/>
-              <a:t>4/25/25</a:t>
+              <a:t>7/22/25</a:t>
             </a:fld>
             <a:endParaRPr lang="en-US"/>
           </a:p>
@@ -1956,7 +1956,7 @@
           <a:p>
             <a:fld id="{443E5224-1D44-324A-A1DD-DBD6D5D42D42}" type="datetimeFigureOut">
               <a:rPr lang="en-US" smtClean="0"/>
-              <a:t>4/25/25</a:t>
+              <a:t>7/22/25</a:t>
             </a:fld>
             <a:endParaRPr lang="en-US"/>
           </a:p>
@@ -2069,7 +2069,7 @@
           <a:p>
             <a:fld id="{443E5224-1D44-324A-A1DD-DBD6D5D42D42}" type="datetimeFigureOut">
               <a:rPr lang="en-US" smtClean="0"/>
-              <a:t>4/25/25</a:t>
+              <a:t>7/22/25</a:t>
             </a:fld>
             <a:endParaRPr lang="en-US"/>
           </a:p>
@@ -2380,7 +2380,7 @@
           <a:p>
             <a:fld id="{443E5224-1D44-324A-A1DD-DBD6D5D42D42}" type="datetimeFigureOut">
               <a:rPr lang="en-US" smtClean="0"/>
-              <a:t>4/25/25</a:t>
+              <a:t>7/22/25</a:t>
             </a:fld>
             <a:endParaRPr lang="en-US"/>
           </a:p>
@@ -2668,7 +2668,7 @@
           <a:p>
             <a:fld id="{443E5224-1D44-324A-A1DD-DBD6D5D42D42}" type="datetimeFigureOut">
               <a:rPr lang="en-US" smtClean="0"/>
-              <a:t>4/25/25</a:t>
+              <a:t>7/22/25</a:t>
             </a:fld>
             <a:endParaRPr lang="en-US"/>
           </a:p>
@@ -2909,7 +2909,7 @@
           <a:p>
             <a:fld id="{443E5224-1D44-324A-A1DD-DBD6D5D42D42}" type="datetimeFigureOut">
               <a:rPr lang="en-US" smtClean="0"/>
-              <a:t>4/25/25</a:t>
+              <a:t>7/22/25</a:t>
             </a:fld>
             <a:endParaRPr lang="en-US"/>
           </a:p>
@@ -9517,8 +9517,8 @@
         </p:nvSpPr>
         <p:spPr>
           <a:xfrm>
-            <a:off x="7470286" y="3107689"/>
-            <a:ext cx="927661" cy="2936223"/>
+            <a:off x="7754587" y="3073035"/>
+            <a:ext cx="643360" cy="3031437"/>
           </a:xfrm>
           <a:custGeom>
             <a:avLst/>
@@ -10166,6 +10166,4611 @@
           </a:p>
         </p:txBody>
       </p:sp>
+      <p:grpSp>
+        <p:nvGrpSpPr>
+          <p:cNvPr id="2" name="Group 1">
+            <a:extLst>
+              <a:ext uri="{FF2B5EF4-FFF2-40B4-BE49-F238E27FC236}">
+                <a16:creationId xmlns:a16="http://schemas.microsoft.com/office/drawing/2014/main" id="{4FD1C24E-506A-2F49-57A2-82EA19AF47EE}"/>
+              </a:ext>
+            </a:extLst>
+          </p:cNvPr>
+          <p:cNvGrpSpPr>
+            <a:grpSpLocks noChangeAspect="1"/>
+          </p:cNvGrpSpPr>
+          <p:nvPr/>
+        </p:nvGrpSpPr>
+        <p:grpSpPr>
+          <a:xfrm>
+            <a:off x="7346895" y="3003943"/>
+            <a:ext cx="579319" cy="353246"/>
+            <a:chOff x="1896910" y="3025461"/>
+            <a:chExt cx="1704975" cy="1039627"/>
+          </a:xfrm>
+        </p:grpSpPr>
+        <p:sp>
+          <p:nvSpPr>
+            <p:cNvPr id="3" name="Freeform 2">
+              <a:extLst>
+                <a:ext uri="{FF2B5EF4-FFF2-40B4-BE49-F238E27FC236}">
+                  <a16:creationId xmlns:a16="http://schemas.microsoft.com/office/drawing/2014/main" id="{CD15F76C-73B0-5D67-543D-05C0DF9E7E6F}"/>
+                </a:ext>
+              </a:extLst>
+            </p:cNvPr>
+            <p:cNvSpPr/>
+            <p:nvPr/>
+          </p:nvSpPr>
+          <p:spPr>
+            <a:xfrm>
+              <a:off x="1992160" y="3358836"/>
+              <a:ext cx="381000" cy="9525"/>
+            </a:xfrm>
+            <a:custGeom>
+              <a:avLst/>
+              <a:gdLst>
+                <a:gd name="connsiteX0" fmla="*/ 381000 w 381000"/>
+                <a:gd name="connsiteY0" fmla="*/ 0 h 9525"/>
+                <a:gd name="connsiteX1" fmla="*/ 0 w 381000"/>
+                <a:gd name="connsiteY1" fmla="*/ 0 h 9525"/>
+              </a:gdLst>
+              <a:ahLst/>
+              <a:cxnLst>
+                <a:cxn ang="0">
+                  <a:pos x="connsiteX0" y="connsiteY0"/>
+                </a:cxn>
+                <a:cxn ang="0">
+                  <a:pos x="connsiteX1" y="connsiteY1"/>
+                </a:cxn>
+              </a:cxnLst>
+              <a:rect l="l" t="t" r="r" b="b"/>
+              <a:pathLst>
+                <a:path w="381000" h="9525">
+                  <a:moveTo>
+                    <a:pt x="381000" y="0"/>
+                  </a:moveTo>
+                  <a:lnTo>
+                    <a:pt x="0" y="0"/>
+                  </a:lnTo>
+                </a:path>
+              </a:pathLst>
+            </a:custGeom>
+            <a:solidFill>
+              <a:srgbClr val="000000"/>
+            </a:solidFill>
+            <a:ln w="114300" cap="rnd">
+              <a:solidFill>
+                <a:srgbClr val="CCCCCC"/>
+              </a:solidFill>
+              <a:prstDash val="solid"/>
+              <a:miter/>
+            </a:ln>
+          </p:spPr>
+          <p:txBody>
+            <a:bodyPr rtlCol="0" anchor="ctr"/>
+            <a:lstStyle/>
+            <a:p>
+              <a:endParaRPr lang="en-US"/>
+            </a:p>
+          </p:txBody>
+        </p:sp>
+        <p:sp>
+          <p:nvSpPr>
+            <p:cNvPr id="6" name="Freeform 5">
+              <a:extLst>
+                <a:ext uri="{FF2B5EF4-FFF2-40B4-BE49-F238E27FC236}">
+                  <a16:creationId xmlns:a16="http://schemas.microsoft.com/office/drawing/2014/main" id="{C0319BA8-6285-B52F-25E6-5539B9205149}"/>
+                </a:ext>
+              </a:extLst>
+            </p:cNvPr>
+            <p:cNvSpPr/>
+            <p:nvPr/>
+          </p:nvSpPr>
+          <p:spPr>
+            <a:xfrm>
+              <a:off x="3135160" y="3358836"/>
+              <a:ext cx="381000" cy="9525"/>
+            </a:xfrm>
+            <a:custGeom>
+              <a:avLst/>
+              <a:gdLst>
+                <a:gd name="connsiteX0" fmla="*/ 0 w 381000"/>
+                <a:gd name="connsiteY0" fmla="*/ 0 h 9525"/>
+                <a:gd name="connsiteX1" fmla="*/ 381000 w 381000"/>
+                <a:gd name="connsiteY1" fmla="*/ 0 h 9525"/>
+              </a:gdLst>
+              <a:ahLst/>
+              <a:cxnLst>
+                <a:cxn ang="0">
+                  <a:pos x="connsiteX0" y="connsiteY0"/>
+                </a:cxn>
+                <a:cxn ang="0">
+                  <a:pos x="connsiteX1" y="connsiteY1"/>
+                </a:cxn>
+              </a:cxnLst>
+              <a:rect l="l" t="t" r="r" b="b"/>
+              <a:pathLst>
+                <a:path w="381000" h="9525">
+                  <a:moveTo>
+                    <a:pt x="0" y="0"/>
+                  </a:moveTo>
+                  <a:lnTo>
+                    <a:pt x="381000" y="0"/>
+                  </a:lnTo>
+                </a:path>
+              </a:pathLst>
+            </a:custGeom>
+            <a:solidFill>
+              <a:srgbClr val="000000"/>
+            </a:solidFill>
+            <a:ln w="95250" cap="rnd">
+              <a:solidFill>
+                <a:srgbClr val="CCCCCC"/>
+              </a:solidFill>
+              <a:prstDash val="solid"/>
+              <a:miter/>
+            </a:ln>
+          </p:spPr>
+          <p:txBody>
+            <a:bodyPr rtlCol="0" anchor="ctr"/>
+            <a:lstStyle/>
+            <a:p>
+              <a:endParaRPr lang="en-US"/>
+            </a:p>
+          </p:txBody>
+        </p:sp>
+        <p:sp>
+          <p:nvSpPr>
+            <p:cNvPr id="14" name="Freeform 13">
+              <a:extLst>
+                <a:ext uri="{FF2B5EF4-FFF2-40B4-BE49-F238E27FC236}">
+                  <a16:creationId xmlns:a16="http://schemas.microsoft.com/office/drawing/2014/main" id="{C23B9EFA-4E08-3137-1FA4-073BCAD7F89A}"/>
+                </a:ext>
+              </a:extLst>
+            </p:cNvPr>
+            <p:cNvSpPr/>
+            <p:nvPr/>
+          </p:nvSpPr>
+          <p:spPr>
+            <a:xfrm>
+              <a:off x="2754160" y="3588838"/>
+              <a:ext cx="9525" cy="381000"/>
+            </a:xfrm>
+            <a:custGeom>
+              <a:avLst/>
+              <a:gdLst>
+                <a:gd name="connsiteX0" fmla="*/ 0 w 9525"/>
+                <a:gd name="connsiteY0" fmla="*/ 0 h 381000"/>
+                <a:gd name="connsiteX1" fmla="*/ 0 w 9525"/>
+                <a:gd name="connsiteY1" fmla="*/ 381000 h 381000"/>
+              </a:gdLst>
+              <a:ahLst/>
+              <a:cxnLst>
+                <a:cxn ang="0">
+                  <a:pos x="connsiteX0" y="connsiteY0"/>
+                </a:cxn>
+                <a:cxn ang="0">
+                  <a:pos x="connsiteX1" y="connsiteY1"/>
+                </a:cxn>
+              </a:cxnLst>
+              <a:rect l="l" t="t" r="r" b="b"/>
+              <a:pathLst>
+                <a:path w="9525" h="381000">
+                  <a:moveTo>
+                    <a:pt x="0" y="0"/>
+                  </a:moveTo>
+                  <a:lnTo>
+                    <a:pt x="0" y="381000"/>
+                  </a:lnTo>
+                </a:path>
+              </a:pathLst>
+            </a:custGeom>
+            <a:solidFill>
+              <a:srgbClr val="000000"/>
+            </a:solidFill>
+            <a:ln w="114300" cap="rnd">
+              <a:solidFill>
+                <a:srgbClr val="CCCCCC"/>
+              </a:solidFill>
+              <a:prstDash val="solid"/>
+              <a:miter/>
+            </a:ln>
+          </p:spPr>
+          <p:txBody>
+            <a:bodyPr rtlCol="0" anchor="ctr"/>
+            <a:lstStyle/>
+            <a:p>
+              <a:endParaRPr lang="en-US"/>
+            </a:p>
+          </p:txBody>
+        </p:sp>
+        <p:sp>
+          <p:nvSpPr>
+            <p:cNvPr id="15" name="Freeform 14">
+              <a:extLst>
+                <a:ext uri="{FF2B5EF4-FFF2-40B4-BE49-F238E27FC236}">
+                  <a16:creationId xmlns:a16="http://schemas.microsoft.com/office/drawing/2014/main" id="{502F4FE6-19C2-A9CB-3AE8-AB108A5EEB24}"/>
+                </a:ext>
+              </a:extLst>
+            </p:cNvPr>
+            <p:cNvSpPr/>
+            <p:nvPr/>
+          </p:nvSpPr>
+          <p:spPr>
+            <a:xfrm>
+              <a:off x="1896910" y="3263586"/>
+              <a:ext cx="190500" cy="190500"/>
+            </a:xfrm>
+            <a:custGeom>
+              <a:avLst/>
+              <a:gdLst>
+                <a:gd name="connsiteX0" fmla="*/ 190500 w 190500"/>
+                <a:gd name="connsiteY0" fmla="*/ 95250 h 190500"/>
+                <a:gd name="connsiteX1" fmla="*/ 95250 w 190500"/>
+                <a:gd name="connsiteY1" fmla="*/ 190500 h 190500"/>
+                <a:gd name="connsiteX2" fmla="*/ 0 w 190500"/>
+                <a:gd name="connsiteY2" fmla="*/ 95250 h 190500"/>
+                <a:gd name="connsiteX3" fmla="*/ 95250 w 190500"/>
+                <a:gd name="connsiteY3" fmla="*/ 0 h 190500"/>
+                <a:gd name="connsiteX4" fmla="*/ 190500 w 190500"/>
+                <a:gd name="connsiteY4" fmla="*/ 95250 h 190500"/>
+              </a:gdLst>
+              <a:ahLst/>
+              <a:cxnLst>
+                <a:cxn ang="0">
+                  <a:pos x="connsiteX0" y="connsiteY0"/>
+                </a:cxn>
+                <a:cxn ang="0">
+                  <a:pos x="connsiteX1" y="connsiteY1"/>
+                </a:cxn>
+                <a:cxn ang="0">
+                  <a:pos x="connsiteX2" y="connsiteY2"/>
+                </a:cxn>
+                <a:cxn ang="0">
+                  <a:pos x="connsiteX3" y="connsiteY3"/>
+                </a:cxn>
+                <a:cxn ang="0">
+                  <a:pos x="connsiteX4" y="connsiteY4"/>
+                </a:cxn>
+              </a:cxnLst>
+              <a:rect l="l" t="t" r="r" b="b"/>
+              <a:pathLst>
+                <a:path w="190500" h="190500">
+                  <a:moveTo>
+                    <a:pt x="190500" y="95250"/>
+                  </a:moveTo>
+                  <a:cubicBezTo>
+                    <a:pt x="190500" y="147855"/>
+                    <a:pt x="147855" y="190500"/>
+                    <a:pt x="95250" y="190500"/>
+                  </a:cubicBezTo>
+                  <a:cubicBezTo>
+                    <a:pt x="42645" y="190500"/>
+                    <a:pt x="0" y="147855"/>
+                    <a:pt x="0" y="95250"/>
+                  </a:cubicBezTo>
+                  <a:cubicBezTo>
+                    <a:pt x="0" y="42645"/>
+                    <a:pt x="42645" y="0"/>
+                    <a:pt x="95250" y="0"/>
+                  </a:cubicBezTo>
+                  <a:cubicBezTo>
+                    <a:pt x="147855" y="0"/>
+                    <a:pt x="190500" y="42645"/>
+                    <a:pt x="190500" y="95250"/>
+                  </a:cubicBezTo>
+                  <a:close/>
+                </a:path>
+              </a:pathLst>
+            </a:custGeom>
+            <a:solidFill>
+              <a:srgbClr val="EEEEEE"/>
+            </a:solidFill>
+            <a:ln w="9525" cap="flat">
+              <a:solidFill>
+                <a:srgbClr val="DDDDDD"/>
+              </a:solidFill>
+              <a:prstDash val="solid"/>
+              <a:miter/>
+            </a:ln>
+          </p:spPr>
+          <p:txBody>
+            <a:bodyPr rtlCol="0" anchor="ctr"/>
+            <a:lstStyle/>
+            <a:p>
+              <a:endParaRPr lang="en-US"/>
+            </a:p>
+          </p:txBody>
+        </p:sp>
+        <p:sp>
+          <p:nvSpPr>
+            <p:cNvPr id="16" name="Freeform 15">
+              <a:extLst>
+                <a:ext uri="{FF2B5EF4-FFF2-40B4-BE49-F238E27FC236}">
+                  <a16:creationId xmlns:a16="http://schemas.microsoft.com/office/drawing/2014/main" id="{95ECFC42-71DA-494A-2BD7-C10A1D0C6F11}"/>
+                </a:ext>
+              </a:extLst>
+            </p:cNvPr>
+            <p:cNvSpPr/>
+            <p:nvPr/>
+          </p:nvSpPr>
+          <p:spPr>
+            <a:xfrm>
+              <a:off x="3430435" y="3273111"/>
+              <a:ext cx="171450" cy="171450"/>
+            </a:xfrm>
+            <a:custGeom>
+              <a:avLst/>
+              <a:gdLst>
+                <a:gd name="connsiteX0" fmla="*/ 171450 w 171450"/>
+                <a:gd name="connsiteY0" fmla="*/ 85725 h 171450"/>
+                <a:gd name="connsiteX1" fmla="*/ 85725 w 171450"/>
+                <a:gd name="connsiteY1" fmla="*/ 171450 h 171450"/>
+                <a:gd name="connsiteX2" fmla="*/ 0 w 171450"/>
+                <a:gd name="connsiteY2" fmla="*/ 85725 h 171450"/>
+                <a:gd name="connsiteX3" fmla="*/ 85725 w 171450"/>
+                <a:gd name="connsiteY3" fmla="*/ 0 h 171450"/>
+                <a:gd name="connsiteX4" fmla="*/ 171450 w 171450"/>
+                <a:gd name="connsiteY4" fmla="*/ 85725 h 171450"/>
+              </a:gdLst>
+              <a:ahLst/>
+              <a:cxnLst>
+                <a:cxn ang="0">
+                  <a:pos x="connsiteX0" y="connsiteY0"/>
+                </a:cxn>
+                <a:cxn ang="0">
+                  <a:pos x="connsiteX1" y="connsiteY1"/>
+                </a:cxn>
+                <a:cxn ang="0">
+                  <a:pos x="connsiteX2" y="connsiteY2"/>
+                </a:cxn>
+                <a:cxn ang="0">
+                  <a:pos x="connsiteX3" y="connsiteY3"/>
+                </a:cxn>
+                <a:cxn ang="0">
+                  <a:pos x="connsiteX4" y="connsiteY4"/>
+                </a:cxn>
+              </a:cxnLst>
+              <a:rect l="l" t="t" r="r" b="b"/>
+              <a:pathLst>
+                <a:path w="171450" h="171450">
+                  <a:moveTo>
+                    <a:pt x="171450" y="85725"/>
+                  </a:moveTo>
+                  <a:cubicBezTo>
+                    <a:pt x="171450" y="133070"/>
+                    <a:pt x="133070" y="171450"/>
+                    <a:pt x="85725" y="171450"/>
+                  </a:cubicBezTo>
+                  <a:cubicBezTo>
+                    <a:pt x="38380" y="171450"/>
+                    <a:pt x="0" y="133070"/>
+                    <a:pt x="0" y="85725"/>
+                  </a:cubicBezTo>
+                  <a:cubicBezTo>
+                    <a:pt x="0" y="38380"/>
+                    <a:pt x="38380" y="0"/>
+                    <a:pt x="85725" y="0"/>
+                  </a:cubicBezTo>
+                  <a:cubicBezTo>
+                    <a:pt x="133070" y="0"/>
+                    <a:pt x="171450" y="38380"/>
+                    <a:pt x="171450" y="85725"/>
+                  </a:cubicBezTo>
+                  <a:close/>
+                </a:path>
+              </a:pathLst>
+            </a:custGeom>
+            <a:solidFill>
+              <a:srgbClr val="EEEEEE"/>
+            </a:solidFill>
+            <a:ln w="9525" cap="flat">
+              <a:solidFill>
+                <a:srgbClr val="DDDDDD"/>
+              </a:solidFill>
+              <a:prstDash val="solid"/>
+              <a:miter/>
+            </a:ln>
+          </p:spPr>
+          <p:txBody>
+            <a:bodyPr rtlCol="0" anchor="ctr"/>
+            <a:lstStyle/>
+            <a:p>
+              <a:endParaRPr lang="en-US"/>
+            </a:p>
+          </p:txBody>
+        </p:sp>
+        <p:sp>
+          <p:nvSpPr>
+            <p:cNvPr id="90" name="Freeform 89">
+              <a:extLst>
+                <a:ext uri="{FF2B5EF4-FFF2-40B4-BE49-F238E27FC236}">
+                  <a16:creationId xmlns:a16="http://schemas.microsoft.com/office/drawing/2014/main" id="{CA873654-2257-E0D4-9B48-32161B13B260}"/>
+                </a:ext>
+              </a:extLst>
+            </p:cNvPr>
+            <p:cNvSpPr/>
+            <p:nvPr/>
+          </p:nvSpPr>
+          <p:spPr>
+            <a:xfrm>
+              <a:off x="2658910" y="3874588"/>
+              <a:ext cx="190500" cy="190500"/>
+            </a:xfrm>
+            <a:custGeom>
+              <a:avLst/>
+              <a:gdLst>
+                <a:gd name="connsiteX0" fmla="*/ 190500 w 190500"/>
+                <a:gd name="connsiteY0" fmla="*/ 95250 h 190500"/>
+                <a:gd name="connsiteX1" fmla="*/ 95250 w 190500"/>
+                <a:gd name="connsiteY1" fmla="*/ 190500 h 190500"/>
+                <a:gd name="connsiteX2" fmla="*/ 0 w 190500"/>
+                <a:gd name="connsiteY2" fmla="*/ 95250 h 190500"/>
+                <a:gd name="connsiteX3" fmla="*/ 95250 w 190500"/>
+                <a:gd name="connsiteY3" fmla="*/ 0 h 190500"/>
+                <a:gd name="connsiteX4" fmla="*/ 190500 w 190500"/>
+                <a:gd name="connsiteY4" fmla="*/ 95250 h 190500"/>
+              </a:gdLst>
+              <a:ahLst/>
+              <a:cxnLst>
+                <a:cxn ang="0">
+                  <a:pos x="connsiteX0" y="connsiteY0"/>
+                </a:cxn>
+                <a:cxn ang="0">
+                  <a:pos x="connsiteX1" y="connsiteY1"/>
+                </a:cxn>
+                <a:cxn ang="0">
+                  <a:pos x="connsiteX2" y="connsiteY2"/>
+                </a:cxn>
+                <a:cxn ang="0">
+                  <a:pos x="connsiteX3" y="connsiteY3"/>
+                </a:cxn>
+                <a:cxn ang="0">
+                  <a:pos x="connsiteX4" y="connsiteY4"/>
+                </a:cxn>
+              </a:cxnLst>
+              <a:rect l="l" t="t" r="r" b="b"/>
+              <a:pathLst>
+                <a:path w="190500" h="190500">
+                  <a:moveTo>
+                    <a:pt x="190500" y="95250"/>
+                  </a:moveTo>
+                  <a:cubicBezTo>
+                    <a:pt x="190500" y="147855"/>
+                    <a:pt x="147855" y="190500"/>
+                    <a:pt x="95250" y="190500"/>
+                  </a:cubicBezTo>
+                  <a:cubicBezTo>
+                    <a:pt x="42645" y="190500"/>
+                    <a:pt x="0" y="147855"/>
+                    <a:pt x="0" y="95250"/>
+                  </a:cubicBezTo>
+                  <a:cubicBezTo>
+                    <a:pt x="0" y="42645"/>
+                    <a:pt x="42645" y="0"/>
+                    <a:pt x="95250" y="0"/>
+                  </a:cubicBezTo>
+                  <a:cubicBezTo>
+                    <a:pt x="147855" y="0"/>
+                    <a:pt x="190500" y="42645"/>
+                    <a:pt x="190500" y="95250"/>
+                  </a:cubicBezTo>
+                  <a:close/>
+                </a:path>
+              </a:pathLst>
+            </a:custGeom>
+            <a:solidFill>
+              <a:srgbClr val="EEEEEE"/>
+            </a:solidFill>
+            <a:ln w="9525" cap="flat">
+              <a:solidFill>
+                <a:srgbClr val="DDDDDD"/>
+              </a:solidFill>
+              <a:prstDash val="solid"/>
+              <a:miter/>
+            </a:ln>
+          </p:spPr>
+          <p:txBody>
+            <a:bodyPr rtlCol="0" anchor="ctr"/>
+            <a:lstStyle/>
+            <a:p>
+              <a:endParaRPr lang="en-US"/>
+            </a:p>
+          </p:txBody>
+        </p:sp>
+        <p:sp>
+          <p:nvSpPr>
+            <p:cNvPr id="91" name="Freeform 90">
+              <a:extLst>
+                <a:ext uri="{FF2B5EF4-FFF2-40B4-BE49-F238E27FC236}">
+                  <a16:creationId xmlns:a16="http://schemas.microsoft.com/office/drawing/2014/main" id="{95E8E725-8C30-8679-4D11-034E1EB51AF5}"/>
+                </a:ext>
+              </a:extLst>
+            </p:cNvPr>
+            <p:cNvSpPr/>
+            <p:nvPr/>
+          </p:nvSpPr>
+          <p:spPr>
+            <a:xfrm>
+              <a:off x="2087410" y="3358836"/>
+              <a:ext cx="142875" cy="9525"/>
+            </a:xfrm>
+            <a:custGeom>
+              <a:avLst/>
+              <a:gdLst>
+                <a:gd name="connsiteX0" fmla="*/ 0 w 142875"/>
+                <a:gd name="connsiteY0" fmla="*/ 0 h 9525"/>
+                <a:gd name="connsiteX1" fmla="*/ 142875 w 142875"/>
+                <a:gd name="connsiteY1" fmla="*/ 0 h 9525"/>
+              </a:gdLst>
+              <a:ahLst/>
+              <a:cxnLst>
+                <a:cxn ang="0">
+                  <a:pos x="connsiteX0" y="connsiteY0"/>
+                </a:cxn>
+                <a:cxn ang="0">
+                  <a:pos x="connsiteX1" y="connsiteY1"/>
+                </a:cxn>
+              </a:cxnLst>
+              <a:rect l="l" t="t" r="r" b="b"/>
+              <a:pathLst>
+                <a:path w="142875" h="9525">
+                  <a:moveTo>
+                    <a:pt x="0" y="0"/>
+                  </a:moveTo>
+                  <a:lnTo>
+                    <a:pt x="142875" y="0"/>
+                  </a:lnTo>
+                </a:path>
+              </a:pathLst>
+            </a:custGeom>
+            <a:solidFill>
+              <a:srgbClr val="000000"/>
+            </a:solidFill>
+            <a:ln w="152400" cap="rnd">
+              <a:solidFill>
+                <a:srgbClr val="EEEEEE"/>
+              </a:solidFill>
+              <a:prstDash val="solid"/>
+              <a:miter/>
+            </a:ln>
+          </p:spPr>
+          <p:txBody>
+            <a:bodyPr rtlCol="0" anchor="ctr"/>
+            <a:lstStyle/>
+            <a:p>
+              <a:endParaRPr lang="en-US"/>
+            </a:p>
+          </p:txBody>
+        </p:sp>
+        <p:sp>
+          <p:nvSpPr>
+            <p:cNvPr id="93" name="Freeform 92">
+              <a:extLst>
+                <a:ext uri="{FF2B5EF4-FFF2-40B4-BE49-F238E27FC236}">
+                  <a16:creationId xmlns:a16="http://schemas.microsoft.com/office/drawing/2014/main" id="{B419C9AD-8706-515A-746E-2916AAFA2BA7}"/>
+                </a:ext>
+              </a:extLst>
+            </p:cNvPr>
+            <p:cNvSpPr/>
+            <p:nvPr/>
+          </p:nvSpPr>
+          <p:spPr>
+            <a:xfrm>
+              <a:off x="3278035" y="3358836"/>
+              <a:ext cx="142875" cy="9525"/>
+            </a:xfrm>
+            <a:custGeom>
+              <a:avLst/>
+              <a:gdLst>
+                <a:gd name="connsiteX0" fmla="*/ 0 w 142875"/>
+                <a:gd name="connsiteY0" fmla="*/ 0 h 9525"/>
+                <a:gd name="connsiteX1" fmla="*/ 142875 w 142875"/>
+                <a:gd name="connsiteY1" fmla="*/ 0 h 9525"/>
+              </a:gdLst>
+              <a:ahLst/>
+              <a:cxnLst>
+                <a:cxn ang="0">
+                  <a:pos x="connsiteX0" y="connsiteY0"/>
+                </a:cxn>
+                <a:cxn ang="0">
+                  <a:pos x="connsiteX1" y="connsiteY1"/>
+                </a:cxn>
+              </a:cxnLst>
+              <a:rect l="l" t="t" r="r" b="b"/>
+              <a:pathLst>
+                <a:path w="142875" h="9525">
+                  <a:moveTo>
+                    <a:pt x="0" y="0"/>
+                  </a:moveTo>
+                  <a:lnTo>
+                    <a:pt x="142875" y="0"/>
+                  </a:lnTo>
+                </a:path>
+              </a:pathLst>
+            </a:custGeom>
+            <a:solidFill>
+              <a:srgbClr val="000000"/>
+            </a:solidFill>
+            <a:ln w="133350" cap="rnd">
+              <a:solidFill>
+                <a:srgbClr val="EEEEEE"/>
+              </a:solidFill>
+              <a:prstDash val="solid"/>
+              <a:miter/>
+            </a:ln>
+          </p:spPr>
+          <p:txBody>
+            <a:bodyPr rtlCol="0" anchor="ctr"/>
+            <a:lstStyle/>
+            <a:p>
+              <a:endParaRPr lang="en-US"/>
+            </a:p>
+          </p:txBody>
+        </p:sp>
+        <p:sp>
+          <p:nvSpPr>
+            <p:cNvPr id="95" name="Freeform 94">
+              <a:extLst>
+                <a:ext uri="{FF2B5EF4-FFF2-40B4-BE49-F238E27FC236}">
+                  <a16:creationId xmlns:a16="http://schemas.microsoft.com/office/drawing/2014/main" id="{CBDF0DF3-8DF6-A1EE-E999-12F1EE23651B}"/>
+                </a:ext>
+              </a:extLst>
+            </p:cNvPr>
+            <p:cNvSpPr/>
+            <p:nvPr/>
+          </p:nvSpPr>
+          <p:spPr>
+            <a:xfrm>
+              <a:off x="2754160" y="3731713"/>
+              <a:ext cx="9525" cy="142875"/>
+            </a:xfrm>
+            <a:custGeom>
+              <a:avLst/>
+              <a:gdLst>
+                <a:gd name="connsiteX0" fmla="*/ 0 w 9525"/>
+                <a:gd name="connsiteY0" fmla="*/ 0 h 142875"/>
+                <a:gd name="connsiteX1" fmla="*/ 0 w 9525"/>
+                <a:gd name="connsiteY1" fmla="*/ 142875 h 142875"/>
+              </a:gdLst>
+              <a:ahLst/>
+              <a:cxnLst>
+                <a:cxn ang="0">
+                  <a:pos x="connsiteX0" y="connsiteY0"/>
+                </a:cxn>
+                <a:cxn ang="0">
+                  <a:pos x="connsiteX1" y="connsiteY1"/>
+                </a:cxn>
+              </a:cxnLst>
+              <a:rect l="l" t="t" r="r" b="b"/>
+              <a:pathLst>
+                <a:path w="9525" h="142875">
+                  <a:moveTo>
+                    <a:pt x="0" y="0"/>
+                  </a:moveTo>
+                  <a:lnTo>
+                    <a:pt x="0" y="142875"/>
+                  </a:lnTo>
+                </a:path>
+              </a:pathLst>
+            </a:custGeom>
+            <a:solidFill>
+              <a:srgbClr val="000000"/>
+            </a:solidFill>
+            <a:ln w="152400" cap="rnd">
+              <a:solidFill>
+                <a:srgbClr val="EEEEEE"/>
+              </a:solidFill>
+              <a:prstDash val="solid"/>
+              <a:miter/>
+            </a:ln>
+          </p:spPr>
+          <p:txBody>
+            <a:bodyPr rtlCol="0" anchor="ctr"/>
+            <a:lstStyle/>
+            <a:p>
+              <a:endParaRPr lang="en-US"/>
+            </a:p>
+          </p:txBody>
+        </p:sp>
+        <p:sp>
+          <p:nvSpPr>
+            <p:cNvPr id="106" name="Freeform 105">
+              <a:extLst>
+                <a:ext uri="{FF2B5EF4-FFF2-40B4-BE49-F238E27FC236}">
+                  <a16:creationId xmlns:a16="http://schemas.microsoft.com/office/drawing/2014/main" id="{56885B15-DEA0-D459-7DA3-56E279F0CEEC}"/>
+                </a:ext>
+              </a:extLst>
+            </p:cNvPr>
+            <p:cNvSpPr/>
+            <p:nvPr/>
+          </p:nvSpPr>
+          <p:spPr>
+            <a:xfrm>
+              <a:off x="2135035" y="3282636"/>
+              <a:ext cx="9525" cy="152400"/>
+            </a:xfrm>
+            <a:custGeom>
+              <a:avLst/>
+              <a:gdLst>
+                <a:gd name="connsiteX0" fmla="*/ 0 w 9525"/>
+                <a:gd name="connsiteY0" fmla="*/ 0 h 152400"/>
+                <a:gd name="connsiteX1" fmla="*/ 0 w 9525"/>
+                <a:gd name="connsiteY1" fmla="*/ 152400 h 152400"/>
+              </a:gdLst>
+              <a:ahLst/>
+              <a:cxnLst>
+                <a:cxn ang="0">
+                  <a:pos x="connsiteX0" y="connsiteY0"/>
+                </a:cxn>
+                <a:cxn ang="0">
+                  <a:pos x="connsiteX1" y="connsiteY1"/>
+                </a:cxn>
+              </a:cxnLst>
+              <a:rect l="l" t="t" r="r" b="b"/>
+              <a:pathLst>
+                <a:path w="9525" h="152400">
+                  <a:moveTo>
+                    <a:pt x="0" y="0"/>
+                  </a:moveTo>
+                  <a:lnTo>
+                    <a:pt x="0" y="152400"/>
+                  </a:lnTo>
+                </a:path>
+              </a:pathLst>
+            </a:custGeom>
+            <a:solidFill>
+              <a:srgbClr val="000000"/>
+            </a:solidFill>
+            <a:ln w="9525" cap="flat">
+              <a:solidFill>
+                <a:srgbClr val="DDDDDD"/>
+              </a:solidFill>
+              <a:prstDash val="solid"/>
+              <a:miter/>
+            </a:ln>
+          </p:spPr>
+          <p:txBody>
+            <a:bodyPr rtlCol="0" anchor="ctr"/>
+            <a:lstStyle/>
+            <a:p>
+              <a:endParaRPr lang="en-US"/>
+            </a:p>
+          </p:txBody>
+        </p:sp>
+        <p:sp>
+          <p:nvSpPr>
+            <p:cNvPr id="110" name="Freeform 109">
+              <a:extLst>
+                <a:ext uri="{FF2B5EF4-FFF2-40B4-BE49-F238E27FC236}">
+                  <a16:creationId xmlns:a16="http://schemas.microsoft.com/office/drawing/2014/main" id="{09773B81-FF14-559E-5C5F-660DECD9556D}"/>
+                </a:ext>
+              </a:extLst>
+            </p:cNvPr>
+            <p:cNvSpPr/>
+            <p:nvPr/>
+          </p:nvSpPr>
+          <p:spPr>
+            <a:xfrm>
+              <a:off x="2163610" y="3282636"/>
+              <a:ext cx="9525" cy="152400"/>
+            </a:xfrm>
+            <a:custGeom>
+              <a:avLst/>
+              <a:gdLst>
+                <a:gd name="connsiteX0" fmla="*/ 0 w 9525"/>
+                <a:gd name="connsiteY0" fmla="*/ 0 h 152400"/>
+                <a:gd name="connsiteX1" fmla="*/ 0 w 9525"/>
+                <a:gd name="connsiteY1" fmla="*/ 152400 h 152400"/>
+              </a:gdLst>
+              <a:ahLst/>
+              <a:cxnLst>
+                <a:cxn ang="0">
+                  <a:pos x="connsiteX0" y="connsiteY0"/>
+                </a:cxn>
+                <a:cxn ang="0">
+                  <a:pos x="connsiteX1" y="connsiteY1"/>
+                </a:cxn>
+              </a:cxnLst>
+              <a:rect l="l" t="t" r="r" b="b"/>
+              <a:pathLst>
+                <a:path w="9525" h="152400">
+                  <a:moveTo>
+                    <a:pt x="0" y="0"/>
+                  </a:moveTo>
+                  <a:lnTo>
+                    <a:pt x="0" y="152400"/>
+                  </a:lnTo>
+                </a:path>
+              </a:pathLst>
+            </a:custGeom>
+            <a:solidFill>
+              <a:srgbClr val="000000"/>
+            </a:solidFill>
+            <a:ln w="9525" cap="flat">
+              <a:solidFill>
+                <a:srgbClr val="DDDDDD"/>
+              </a:solidFill>
+              <a:prstDash val="solid"/>
+              <a:miter/>
+            </a:ln>
+          </p:spPr>
+          <p:txBody>
+            <a:bodyPr rtlCol="0" anchor="ctr"/>
+            <a:lstStyle/>
+            <a:p>
+              <a:endParaRPr lang="en-US"/>
+            </a:p>
+          </p:txBody>
+        </p:sp>
+        <p:sp>
+          <p:nvSpPr>
+            <p:cNvPr id="115" name="Freeform 114">
+              <a:extLst>
+                <a:ext uri="{FF2B5EF4-FFF2-40B4-BE49-F238E27FC236}">
+                  <a16:creationId xmlns:a16="http://schemas.microsoft.com/office/drawing/2014/main" id="{1E54A9E2-FCE4-8104-6162-31B1AD1D7418}"/>
+                </a:ext>
+              </a:extLst>
+            </p:cNvPr>
+            <p:cNvSpPr/>
+            <p:nvPr/>
+          </p:nvSpPr>
+          <p:spPr>
+            <a:xfrm>
+              <a:off x="2192185" y="3282636"/>
+              <a:ext cx="9525" cy="152400"/>
+            </a:xfrm>
+            <a:custGeom>
+              <a:avLst/>
+              <a:gdLst>
+                <a:gd name="connsiteX0" fmla="*/ 0 w 9525"/>
+                <a:gd name="connsiteY0" fmla="*/ 0 h 152400"/>
+                <a:gd name="connsiteX1" fmla="*/ 0 w 9525"/>
+                <a:gd name="connsiteY1" fmla="*/ 152400 h 152400"/>
+              </a:gdLst>
+              <a:ahLst/>
+              <a:cxnLst>
+                <a:cxn ang="0">
+                  <a:pos x="connsiteX0" y="connsiteY0"/>
+                </a:cxn>
+                <a:cxn ang="0">
+                  <a:pos x="connsiteX1" y="connsiteY1"/>
+                </a:cxn>
+              </a:cxnLst>
+              <a:rect l="l" t="t" r="r" b="b"/>
+              <a:pathLst>
+                <a:path w="9525" h="152400">
+                  <a:moveTo>
+                    <a:pt x="0" y="0"/>
+                  </a:moveTo>
+                  <a:lnTo>
+                    <a:pt x="0" y="152400"/>
+                  </a:lnTo>
+                </a:path>
+              </a:pathLst>
+            </a:custGeom>
+            <a:solidFill>
+              <a:srgbClr val="000000"/>
+            </a:solidFill>
+            <a:ln w="9525" cap="flat">
+              <a:solidFill>
+                <a:srgbClr val="DDDDDD"/>
+              </a:solidFill>
+              <a:prstDash val="solid"/>
+              <a:miter/>
+            </a:ln>
+          </p:spPr>
+          <p:txBody>
+            <a:bodyPr rtlCol="0" anchor="ctr"/>
+            <a:lstStyle/>
+            <a:p>
+              <a:endParaRPr lang="en-US"/>
+            </a:p>
+          </p:txBody>
+        </p:sp>
+        <p:sp>
+          <p:nvSpPr>
+            <p:cNvPr id="116" name="Freeform 115">
+              <a:extLst>
+                <a:ext uri="{FF2B5EF4-FFF2-40B4-BE49-F238E27FC236}">
+                  <a16:creationId xmlns:a16="http://schemas.microsoft.com/office/drawing/2014/main" id="{22D6292A-88A9-9519-CAA1-6103792CDE29}"/>
+                </a:ext>
+              </a:extLst>
+            </p:cNvPr>
+            <p:cNvSpPr/>
+            <p:nvPr/>
+          </p:nvSpPr>
+          <p:spPr>
+            <a:xfrm>
+              <a:off x="3344710" y="3282636"/>
+              <a:ext cx="9525" cy="152400"/>
+            </a:xfrm>
+            <a:custGeom>
+              <a:avLst/>
+              <a:gdLst>
+                <a:gd name="connsiteX0" fmla="*/ 0 w 9525"/>
+                <a:gd name="connsiteY0" fmla="*/ 0 h 152400"/>
+                <a:gd name="connsiteX1" fmla="*/ 0 w 9525"/>
+                <a:gd name="connsiteY1" fmla="*/ 152400 h 152400"/>
+              </a:gdLst>
+              <a:ahLst/>
+              <a:cxnLst>
+                <a:cxn ang="0">
+                  <a:pos x="connsiteX0" y="connsiteY0"/>
+                </a:cxn>
+                <a:cxn ang="0">
+                  <a:pos x="connsiteX1" y="connsiteY1"/>
+                </a:cxn>
+              </a:cxnLst>
+              <a:rect l="l" t="t" r="r" b="b"/>
+              <a:pathLst>
+                <a:path w="9525" h="152400">
+                  <a:moveTo>
+                    <a:pt x="0" y="0"/>
+                  </a:moveTo>
+                  <a:lnTo>
+                    <a:pt x="0" y="152400"/>
+                  </a:lnTo>
+                </a:path>
+              </a:pathLst>
+            </a:custGeom>
+            <a:solidFill>
+              <a:srgbClr val="000000"/>
+            </a:solidFill>
+            <a:ln w="9525" cap="flat">
+              <a:solidFill>
+                <a:srgbClr val="DDDDDD"/>
+              </a:solidFill>
+              <a:prstDash val="solid"/>
+              <a:miter/>
+            </a:ln>
+          </p:spPr>
+          <p:txBody>
+            <a:bodyPr rtlCol="0" anchor="ctr"/>
+            <a:lstStyle/>
+            <a:p>
+              <a:endParaRPr lang="en-US"/>
+            </a:p>
+          </p:txBody>
+        </p:sp>
+        <p:sp>
+          <p:nvSpPr>
+            <p:cNvPr id="117" name="Freeform 116">
+              <a:extLst>
+                <a:ext uri="{FF2B5EF4-FFF2-40B4-BE49-F238E27FC236}">
+                  <a16:creationId xmlns:a16="http://schemas.microsoft.com/office/drawing/2014/main" id="{1DDD1AAA-F9C2-FFDF-52DE-D0D75E95BA4C}"/>
+                </a:ext>
+              </a:extLst>
+            </p:cNvPr>
+            <p:cNvSpPr/>
+            <p:nvPr/>
+          </p:nvSpPr>
+          <p:spPr>
+            <a:xfrm>
+              <a:off x="3373285" y="3282636"/>
+              <a:ext cx="9525" cy="152400"/>
+            </a:xfrm>
+            <a:custGeom>
+              <a:avLst/>
+              <a:gdLst>
+                <a:gd name="connsiteX0" fmla="*/ 0 w 9525"/>
+                <a:gd name="connsiteY0" fmla="*/ 0 h 152400"/>
+                <a:gd name="connsiteX1" fmla="*/ 0 w 9525"/>
+                <a:gd name="connsiteY1" fmla="*/ 152400 h 152400"/>
+              </a:gdLst>
+              <a:ahLst/>
+              <a:cxnLst>
+                <a:cxn ang="0">
+                  <a:pos x="connsiteX0" y="connsiteY0"/>
+                </a:cxn>
+                <a:cxn ang="0">
+                  <a:pos x="connsiteX1" y="connsiteY1"/>
+                </a:cxn>
+              </a:cxnLst>
+              <a:rect l="l" t="t" r="r" b="b"/>
+              <a:pathLst>
+                <a:path w="9525" h="152400">
+                  <a:moveTo>
+                    <a:pt x="0" y="0"/>
+                  </a:moveTo>
+                  <a:lnTo>
+                    <a:pt x="0" y="152400"/>
+                  </a:lnTo>
+                </a:path>
+              </a:pathLst>
+            </a:custGeom>
+            <a:solidFill>
+              <a:srgbClr val="000000"/>
+            </a:solidFill>
+            <a:ln w="9525" cap="flat">
+              <a:solidFill>
+                <a:srgbClr val="DDDDDD"/>
+              </a:solidFill>
+              <a:prstDash val="solid"/>
+              <a:miter/>
+            </a:ln>
+          </p:spPr>
+          <p:txBody>
+            <a:bodyPr rtlCol="0" anchor="ctr"/>
+            <a:lstStyle/>
+            <a:p>
+              <a:endParaRPr lang="en-US"/>
+            </a:p>
+          </p:txBody>
+        </p:sp>
+        <p:sp>
+          <p:nvSpPr>
+            <p:cNvPr id="118" name="Freeform 117">
+              <a:extLst>
+                <a:ext uri="{FF2B5EF4-FFF2-40B4-BE49-F238E27FC236}">
+                  <a16:creationId xmlns:a16="http://schemas.microsoft.com/office/drawing/2014/main" id="{2640DE7D-41A0-5407-7769-F9C0DE7E477E}"/>
+                </a:ext>
+              </a:extLst>
+            </p:cNvPr>
+            <p:cNvSpPr/>
+            <p:nvPr/>
+          </p:nvSpPr>
+          <p:spPr>
+            <a:xfrm>
+              <a:off x="2677960" y="3798388"/>
+              <a:ext cx="152400" cy="9525"/>
+            </a:xfrm>
+            <a:custGeom>
+              <a:avLst/>
+              <a:gdLst>
+                <a:gd name="connsiteX0" fmla="*/ 0 w 152400"/>
+                <a:gd name="connsiteY0" fmla="*/ 0 h 9525"/>
+                <a:gd name="connsiteX1" fmla="*/ 152400 w 152400"/>
+                <a:gd name="connsiteY1" fmla="*/ 0 h 9525"/>
+              </a:gdLst>
+              <a:ahLst/>
+              <a:cxnLst>
+                <a:cxn ang="0">
+                  <a:pos x="connsiteX0" y="connsiteY0"/>
+                </a:cxn>
+                <a:cxn ang="0">
+                  <a:pos x="connsiteX1" y="connsiteY1"/>
+                </a:cxn>
+              </a:cxnLst>
+              <a:rect l="l" t="t" r="r" b="b"/>
+              <a:pathLst>
+                <a:path w="152400" h="9525">
+                  <a:moveTo>
+                    <a:pt x="0" y="0"/>
+                  </a:moveTo>
+                  <a:lnTo>
+                    <a:pt x="152400" y="0"/>
+                  </a:lnTo>
+                </a:path>
+              </a:pathLst>
+            </a:custGeom>
+            <a:solidFill>
+              <a:srgbClr val="000000"/>
+            </a:solidFill>
+            <a:ln w="9525" cap="flat">
+              <a:solidFill>
+                <a:srgbClr val="DDDDDD"/>
+              </a:solidFill>
+              <a:prstDash val="solid"/>
+              <a:miter/>
+            </a:ln>
+          </p:spPr>
+          <p:txBody>
+            <a:bodyPr rtlCol="0" anchor="ctr"/>
+            <a:lstStyle/>
+            <a:p>
+              <a:endParaRPr lang="en-US"/>
+            </a:p>
+          </p:txBody>
+        </p:sp>
+        <p:sp>
+          <p:nvSpPr>
+            <p:cNvPr id="119" name="Freeform 118">
+              <a:extLst>
+                <a:ext uri="{FF2B5EF4-FFF2-40B4-BE49-F238E27FC236}">
+                  <a16:creationId xmlns:a16="http://schemas.microsoft.com/office/drawing/2014/main" id="{575B7E55-45C0-7066-6590-9E430958CDB6}"/>
+                </a:ext>
+              </a:extLst>
+            </p:cNvPr>
+            <p:cNvSpPr/>
+            <p:nvPr/>
+          </p:nvSpPr>
+          <p:spPr>
+            <a:xfrm>
+              <a:off x="2677960" y="3826963"/>
+              <a:ext cx="152400" cy="9525"/>
+            </a:xfrm>
+            <a:custGeom>
+              <a:avLst/>
+              <a:gdLst>
+                <a:gd name="connsiteX0" fmla="*/ 0 w 152400"/>
+                <a:gd name="connsiteY0" fmla="*/ 0 h 9525"/>
+                <a:gd name="connsiteX1" fmla="*/ 152400 w 152400"/>
+                <a:gd name="connsiteY1" fmla="*/ 0 h 9525"/>
+              </a:gdLst>
+              <a:ahLst/>
+              <a:cxnLst>
+                <a:cxn ang="0">
+                  <a:pos x="connsiteX0" y="connsiteY0"/>
+                </a:cxn>
+                <a:cxn ang="0">
+                  <a:pos x="connsiteX1" y="connsiteY1"/>
+                </a:cxn>
+              </a:cxnLst>
+              <a:rect l="l" t="t" r="r" b="b"/>
+              <a:pathLst>
+                <a:path w="152400" h="9525">
+                  <a:moveTo>
+                    <a:pt x="0" y="0"/>
+                  </a:moveTo>
+                  <a:lnTo>
+                    <a:pt x="152400" y="0"/>
+                  </a:lnTo>
+                </a:path>
+              </a:pathLst>
+            </a:custGeom>
+            <a:solidFill>
+              <a:srgbClr val="000000"/>
+            </a:solidFill>
+            <a:ln w="9525" cap="flat">
+              <a:solidFill>
+                <a:srgbClr val="DDDDDD"/>
+              </a:solidFill>
+              <a:prstDash val="solid"/>
+              <a:miter/>
+            </a:ln>
+          </p:spPr>
+          <p:txBody>
+            <a:bodyPr rtlCol="0" anchor="ctr"/>
+            <a:lstStyle/>
+            <a:p>
+              <a:endParaRPr lang="en-US"/>
+            </a:p>
+          </p:txBody>
+        </p:sp>
+        <p:sp>
+          <p:nvSpPr>
+            <p:cNvPr id="120" name="Freeform 119">
+              <a:extLst>
+                <a:ext uri="{FF2B5EF4-FFF2-40B4-BE49-F238E27FC236}">
+                  <a16:creationId xmlns:a16="http://schemas.microsoft.com/office/drawing/2014/main" id="{05197E0E-6608-5748-D332-BAC847E06709}"/>
+                </a:ext>
+              </a:extLst>
+            </p:cNvPr>
+            <p:cNvSpPr/>
+            <p:nvPr/>
+          </p:nvSpPr>
+          <p:spPr>
+            <a:xfrm>
+              <a:off x="2677960" y="3855538"/>
+              <a:ext cx="152400" cy="9525"/>
+            </a:xfrm>
+            <a:custGeom>
+              <a:avLst/>
+              <a:gdLst>
+                <a:gd name="connsiteX0" fmla="*/ 0 w 152400"/>
+                <a:gd name="connsiteY0" fmla="*/ 0 h 9525"/>
+                <a:gd name="connsiteX1" fmla="*/ 152400 w 152400"/>
+                <a:gd name="connsiteY1" fmla="*/ 0 h 9525"/>
+              </a:gdLst>
+              <a:ahLst/>
+              <a:cxnLst>
+                <a:cxn ang="0">
+                  <a:pos x="connsiteX0" y="connsiteY0"/>
+                </a:cxn>
+                <a:cxn ang="0">
+                  <a:pos x="connsiteX1" y="connsiteY1"/>
+                </a:cxn>
+              </a:cxnLst>
+              <a:rect l="l" t="t" r="r" b="b"/>
+              <a:pathLst>
+                <a:path w="152400" h="9525">
+                  <a:moveTo>
+                    <a:pt x="0" y="0"/>
+                  </a:moveTo>
+                  <a:lnTo>
+                    <a:pt x="152400" y="0"/>
+                  </a:lnTo>
+                </a:path>
+              </a:pathLst>
+            </a:custGeom>
+            <a:solidFill>
+              <a:srgbClr val="000000"/>
+            </a:solidFill>
+            <a:ln w="9525" cap="flat">
+              <a:solidFill>
+                <a:srgbClr val="DDDDDD"/>
+              </a:solidFill>
+              <a:prstDash val="solid"/>
+              <a:miter/>
+            </a:ln>
+          </p:spPr>
+          <p:txBody>
+            <a:bodyPr rtlCol="0" anchor="ctr"/>
+            <a:lstStyle/>
+            <a:p>
+              <a:endParaRPr lang="en-US"/>
+            </a:p>
+          </p:txBody>
+        </p:sp>
+        <p:sp>
+          <p:nvSpPr>
+            <p:cNvPr id="121" name="Freeform 120">
+              <a:extLst>
+                <a:ext uri="{FF2B5EF4-FFF2-40B4-BE49-F238E27FC236}">
+                  <a16:creationId xmlns:a16="http://schemas.microsoft.com/office/drawing/2014/main" id="{FE95D1D5-6EDE-4656-55FC-A5EEECEE0302}"/>
+                </a:ext>
+              </a:extLst>
+            </p:cNvPr>
+            <p:cNvSpPr/>
+            <p:nvPr/>
+          </p:nvSpPr>
+          <p:spPr>
+            <a:xfrm>
+              <a:off x="2373160" y="3168336"/>
+              <a:ext cx="762000" cy="381000"/>
+            </a:xfrm>
+            <a:custGeom>
+              <a:avLst/>
+              <a:gdLst>
+                <a:gd name="connsiteX0" fmla="*/ 0 w 762000"/>
+                <a:gd name="connsiteY0" fmla="*/ 0 h 381000"/>
+                <a:gd name="connsiteX1" fmla="*/ 381000 w 762000"/>
+                <a:gd name="connsiteY1" fmla="*/ 0 h 381000"/>
+                <a:gd name="connsiteX2" fmla="*/ 762000 w 762000"/>
+                <a:gd name="connsiteY2" fmla="*/ 0 h 381000"/>
+                <a:gd name="connsiteX3" fmla="*/ 762000 w 762000"/>
+                <a:gd name="connsiteY3" fmla="*/ 190500 h 381000"/>
+                <a:gd name="connsiteX4" fmla="*/ 762000 w 762000"/>
+                <a:gd name="connsiteY4" fmla="*/ 381000 h 381000"/>
+                <a:gd name="connsiteX5" fmla="*/ 381000 w 762000"/>
+                <a:gd name="connsiteY5" fmla="*/ 381000 h 381000"/>
+                <a:gd name="connsiteX6" fmla="*/ 0 w 762000"/>
+                <a:gd name="connsiteY6" fmla="*/ 381000 h 381000"/>
+                <a:gd name="connsiteX7" fmla="*/ 0 w 762000"/>
+                <a:gd name="connsiteY7" fmla="*/ 190500 h 381000"/>
+              </a:gdLst>
+              <a:ahLst/>
+              <a:cxnLst>
+                <a:cxn ang="0">
+                  <a:pos x="connsiteX0" y="connsiteY0"/>
+                </a:cxn>
+                <a:cxn ang="0">
+                  <a:pos x="connsiteX1" y="connsiteY1"/>
+                </a:cxn>
+                <a:cxn ang="0">
+                  <a:pos x="connsiteX2" y="connsiteY2"/>
+                </a:cxn>
+                <a:cxn ang="0">
+                  <a:pos x="connsiteX3" y="connsiteY3"/>
+                </a:cxn>
+                <a:cxn ang="0">
+                  <a:pos x="connsiteX4" y="connsiteY4"/>
+                </a:cxn>
+                <a:cxn ang="0">
+                  <a:pos x="connsiteX5" y="connsiteY5"/>
+                </a:cxn>
+                <a:cxn ang="0">
+                  <a:pos x="connsiteX6" y="connsiteY6"/>
+                </a:cxn>
+                <a:cxn ang="0">
+                  <a:pos x="connsiteX7" y="connsiteY7"/>
+                </a:cxn>
+              </a:cxnLst>
+              <a:rect l="l" t="t" r="r" b="b"/>
+              <a:pathLst>
+                <a:path w="762000" h="381000">
+                  <a:moveTo>
+                    <a:pt x="0" y="0"/>
+                  </a:moveTo>
+                  <a:lnTo>
+                    <a:pt x="381000" y="0"/>
+                  </a:lnTo>
+                  <a:lnTo>
+                    <a:pt x="762000" y="0"/>
+                  </a:lnTo>
+                  <a:lnTo>
+                    <a:pt x="762000" y="190500"/>
+                  </a:lnTo>
+                  <a:lnTo>
+                    <a:pt x="762000" y="381000"/>
+                  </a:lnTo>
+                  <a:lnTo>
+                    <a:pt x="381000" y="381000"/>
+                  </a:lnTo>
+                  <a:lnTo>
+                    <a:pt x="0" y="381000"/>
+                  </a:lnTo>
+                  <a:lnTo>
+                    <a:pt x="0" y="190500"/>
+                  </a:lnTo>
+                  <a:close/>
+                </a:path>
+              </a:pathLst>
+            </a:custGeom>
+            <a:solidFill>
+              <a:srgbClr val="0055DD"/>
+            </a:solidFill>
+            <a:ln w="9525" cap="flat">
+              <a:solidFill>
+                <a:srgbClr val="0044BB"/>
+              </a:solidFill>
+              <a:prstDash val="solid"/>
+              <a:miter/>
+            </a:ln>
+          </p:spPr>
+          <p:txBody>
+            <a:bodyPr rtlCol="0" anchor="ctr"/>
+            <a:lstStyle/>
+            <a:p>
+              <a:endParaRPr lang="en-US"/>
+            </a:p>
+          </p:txBody>
+        </p:sp>
+        <p:sp>
+          <p:nvSpPr>
+            <p:cNvPr id="122" name="Freeform 121">
+              <a:extLst>
+                <a:ext uri="{FF2B5EF4-FFF2-40B4-BE49-F238E27FC236}">
+                  <a16:creationId xmlns:a16="http://schemas.microsoft.com/office/drawing/2014/main" id="{BB89B069-4DD2-BFE5-3D53-BE3E94A463B9}"/>
+                </a:ext>
+              </a:extLst>
+            </p:cNvPr>
+            <p:cNvSpPr/>
+            <p:nvPr/>
+          </p:nvSpPr>
+          <p:spPr>
+            <a:xfrm>
+              <a:off x="2611285" y="3025461"/>
+              <a:ext cx="285750" cy="333375"/>
+            </a:xfrm>
+            <a:custGeom>
+              <a:avLst/>
+              <a:gdLst>
+                <a:gd name="connsiteX0" fmla="*/ 0 w 285750"/>
+                <a:gd name="connsiteY0" fmla="*/ 0 h 333375"/>
+                <a:gd name="connsiteX1" fmla="*/ 285750 w 285750"/>
+                <a:gd name="connsiteY1" fmla="*/ 0 h 333375"/>
+                <a:gd name="connsiteX2" fmla="*/ 285750 w 285750"/>
+                <a:gd name="connsiteY2" fmla="*/ 190500 h 333375"/>
+                <a:gd name="connsiteX3" fmla="*/ 190500 w 285750"/>
+                <a:gd name="connsiteY3" fmla="*/ 333375 h 333375"/>
+                <a:gd name="connsiteX4" fmla="*/ 95250 w 285750"/>
+                <a:gd name="connsiteY4" fmla="*/ 333375 h 333375"/>
+                <a:gd name="connsiteX5" fmla="*/ 0 w 285750"/>
+                <a:gd name="connsiteY5" fmla="*/ 190500 h 333375"/>
+              </a:gdLst>
+              <a:ahLst/>
+              <a:cxnLst>
+                <a:cxn ang="0">
+                  <a:pos x="connsiteX0" y="connsiteY0"/>
+                </a:cxn>
+                <a:cxn ang="0">
+                  <a:pos x="connsiteX1" y="connsiteY1"/>
+                </a:cxn>
+                <a:cxn ang="0">
+                  <a:pos x="connsiteX2" y="connsiteY2"/>
+                </a:cxn>
+                <a:cxn ang="0">
+                  <a:pos x="connsiteX3" y="connsiteY3"/>
+                </a:cxn>
+                <a:cxn ang="0">
+                  <a:pos x="connsiteX4" y="connsiteY4"/>
+                </a:cxn>
+                <a:cxn ang="0">
+                  <a:pos x="connsiteX5" y="connsiteY5"/>
+                </a:cxn>
+              </a:cxnLst>
+              <a:rect l="l" t="t" r="r" b="b"/>
+              <a:pathLst>
+                <a:path w="285750" h="333375">
+                  <a:moveTo>
+                    <a:pt x="0" y="0"/>
+                  </a:moveTo>
+                  <a:lnTo>
+                    <a:pt x="285750" y="0"/>
+                  </a:lnTo>
+                  <a:lnTo>
+                    <a:pt x="285750" y="190500"/>
+                  </a:lnTo>
+                  <a:lnTo>
+                    <a:pt x="190500" y="333375"/>
+                  </a:lnTo>
+                  <a:lnTo>
+                    <a:pt x="95250" y="333375"/>
+                  </a:lnTo>
+                  <a:lnTo>
+                    <a:pt x="0" y="190500"/>
+                  </a:lnTo>
+                  <a:close/>
+                </a:path>
+              </a:pathLst>
+            </a:custGeom>
+            <a:solidFill>
+              <a:srgbClr val="0033AA"/>
+            </a:solidFill>
+            <a:ln w="9525" cap="flat">
+              <a:solidFill>
+                <a:srgbClr val="0022AA"/>
+              </a:solidFill>
+              <a:prstDash val="solid"/>
+              <a:miter/>
+            </a:ln>
+          </p:spPr>
+          <p:txBody>
+            <a:bodyPr rtlCol="0" anchor="ctr"/>
+            <a:lstStyle/>
+            <a:p>
+              <a:endParaRPr lang="en-US"/>
+            </a:p>
+          </p:txBody>
+        </p:sp>
+        <p:sp>
+          <p:nvSpPr>
+            <p:cNvPr id="123" name="Freeform 122">
+              <a:extLst>
+                <a:ext uri="{FF2B5EF4-FFF2-40B4-BE49-F238E27FC236}">
+                  <a16:creationId xmlns:a16="http://schemas.microsoft.com/office/drawing/2014/main" id="{8DF5DDF2-C4C9-CB89-98F5-84B3B49BBD45}"/>
+                </a:ext>
+              </a:extLst>
+            </p:cNvPr>
+            <p:cNvSpPr/>
+            <p:nvPr/>
+          </p:nvSpPr>
+          <p:spPr>
+            <a:xfrm>
+              <a:off x="2658910" y="3263586"/>
+              <a:ext cx="190500" cy="190500"/>
+            </a:xfrm>
+            <a:custGeom>
+              <a:avLst/>
+              <a:gdLst>
+                <a:gd name="connsiteX0" fmla="*/ 190500 w 190500"/>
+                <a:gd name="connsiteY0" fmla="*/ 95250 h 190500"/>
+                <a:gd name="connsiteX1" fmla="*/ 95250 w 190500"/>
+                <a:gd name="connsiteY1" fmla="*/ 190500 h 190500"/>
+                <a:gd name="connsiteX2" fmla="*/ 0 w 190500"/>
+                <a:gd name="connsiteY2" fmla="*/ 95250 h 190500"/>
+                <a:gd name="connsiteX3" fmla="*/ 95250 w 190500"/>
+                <a:gd name="connsiteY3" fmla="*/ 0 h 190500"/>
+                <a:gd name="connsiteX4" fmla="*/ 190500 w 190500"/>
+                <a:gd name="connsiteY4" fmla="*/ 95250 h 190500"/>
+              </a:gdLst>
+              <a:ahLst/>
+              <a:cxnLst>
+                <a:cxn ang="0">
+                  <a:pos x="connsiteX0" y="connsiteY0"/>
+                </a:cxn>
+                <a:cxn ang="0">
+                  <a:pos x="connsiteX1" y="connsiteY1"/>
+                </a:cxn>
+                <a:cxn ang="0">
+                  <a:pos x="connsiteX2" y="connsiteY2"/>
+                </a:cxn>
+                <a:cxn ang="0">
+                  <a:pos x="connsiteX3" y="connsiteY3"/>
+                </a:cxn>
+                <a:cxn ang="0">
+                  <a:pos x="connsiteX4" y="connsiteY4"/>
+                </a:cxn>
+              </a:cxnLst>
+              <a:rect l="l" t="t" r="r" b="b"/>
+              <a:pathLst>
+                <a:path w="190500" h="190500">
+                  <a:moveTo>
+                    <a:pt x="190500" y="95250"/>
+                  </a:moveTo>
+                  <a:cubicBezTo>
+                    <a:pt x="190500" y="147855"/>
+                    <a:pt x="147855" y="190500"/>
+                    <a:pt x="95250" y="190500"/>
+                  </a:cubicBezTo>
+                  <a:cubicBezTo>
+                    <a:pt x="42645" y="190500"/>
+                    <a:pt x="0" y="147855"/>
+                    <a:pt x="0" y="95250"/>
+                  </a:cubicBezTo>
+                  <a:cubicBezTo>
+                    <a:pt x="0" y="42645"/>
+                    <a:pt x="42645" y="0"/>
+                    <a:pt x="95250" y="0"/>
+                  </a:cubicBezTo>
+                  <a:cubicBezTo>
+                    <a:pt x="147855" y="0"/>
+                    <a:pt x="190500" y="42645"/>
+                    <a:pt x="190500" y="95250"/>
+                  </a:cubicBezTo>
+                  <a:close/>
+                </a:path>
+              </a:pathLst>
+            </a:custGeom>
+            <a:solidFill>
+              <a:srgbClr val="001155"/>
+            </a:solidFill>
+            <a:ln w="9525" cap="flat">
+              <a:noFill/>
+              <a:prstDash val="solid"/>
+              <a:miter/>
+            </a:ln>
+          </p:spPr>
+          <p:txBody>
+            <a:bodyPr rtlCol="0" anchor="ctr"/>
+            <a:lstStyle/>
+            <a:p>
+              <a:endParaRPr lang="en-US"/>
+            </a:p>
+          </p:txBody>
+        </p:sp>
+      </p:grpSp>
+      <p:grpSp>
+        <p:nvGrpSpPr>
+          <p:cNvPr id="124" name="Group 123">
+            <a:extLst>
+              <a:ext uri="{FF2B5EF4-FFF2-40B4-BE49-F238E27FC236}">
+                <a16:creationId xmlns:a16="http://schemas.microsoft.com/office/drawing/2014/main" id="{AB57CE76-BE1A-967C-0837-4225E077E53E}"/>
+              </a:ext>
+            </a:extLst>
+          </p:cNvPr>
+          <p:cNvGrpSpPr>
+            <a:grpSpLocks noChangeAspect="1"/>
+          </p:cNvGrpSpPr>
+          <p:nvPr/>
+        </p:nvGrpSpPr>
+        <p:grpSpPr>
+          <a:xfrm rot="19554001">
+            <a:off x="7339988" y="3561027"/>
+            <a:ext cx="579319" cy="353246"/>
+            <a:chOff x="1896910" y="3025461"/>
+            <a:chExt cx="1704975" cy="1039627"/>
+          </a:xfrm>
+        </p:grpSpPr>
+        <p:sp>
+          <p:nvSpPr>
+            <p:cNvPr id="125" name="Freeform 124">
+              <a:extLst>
+                <a:ext uri="{FF2B5EF4-FFF2-40B4-BE49-F238E27FC236}">
+                  <a16:creationId xmlns:a16="http://schemas.microsoft.com/office/drawing/2014/main" id="{25715558-883A-C3FB-B5A4-156D4DA16ECA}"/>
+                </a:ext>
+              </a:extLst>
+            </p:cNvPr>
+            <p:cNvSpPr/>
+            <p:nvPr/>
+          </p:nvSpPr>
+          <p:spPr>
+            <a:xfrm>
+              <a:off x="1992160" y="3358836"/>
+              <a:ext cx="381000" cy="9525"/>
+            </a:xfrm>
+            <a:custGeom>
+              <a:avLst/>
+              <a:gdLst>
+                <a:gd name="connsiteX0" fmla="*/ 381000 w 381000"/>
+                <a:gd name="connsiteY0" fmla="*/ 0 h 9525"/>
+                <a:gd name="connsiteX1" fmla="*/ 0 w 381000"/>
+                <a:gd name="connsiteY1" fmla="*/ 0 h 9525"/>
+              </a:gdLst>
+              <a:ahLst/>
+              <a:cxnLst>
+                <a:cxn ang="0">
+                  <a:pos x="connsiteX0" y="connsiteY0"/>
+                </a:cxn>
+                <a:cxn ang="0">
+                  <a:pos x="connsiteX1" y="connsiteY1"/>
+                </a:cxn>
+              </a:cxnLst>
+              <a:rect l="l" t="t" r="r" b="b"/>
+              <a:pathLst>
+                <a:path w="381000" h="9525">
+                  <a:moveTo>
+                    <a:pt x="381000" y="0"/>
+                  </a:moveTo>
+                  <a:lnTo>
+                    <a:pt x="0" y="0"/>
+                  </a:lnTo>
+                </a:path>
+              </a:pathLst>
+            </a:custGeom>
+            <a:solidFill>
+              <a:srgbClr val="000000"/>
+            </a:solidFill>
+            <a:ln w="114300" cap="rnd">
+              <a:solidFill>
+                <a:srgbClr val="CCCCCC"/>
+              </a:solidFill>
+              <a:prstDash val="solid"/>
+              <a:miter/>
+            </a:ln>
+          </p:spPr>
+          <p:txBody>
+            <a:bodyPr rtlCol="0" anchor="ctr"/>
+            <a:lstStyle/>
+            <a:p>
+              <a:endParaRPr lang="en-US"/>
+            </a:p>
+          </p:txBody>
+        </p:sp>
+        <p:sp>
+          <p:nvSpPr>
+            <p:cNvPr id="126" name="Freeform 125">
+              <a:extLst>
+                <a:ext uri="{FF2B5EF4-FFF2-40B4-BE49-F238E27FC236}">
+                  <a16:creationId xmlns:a16="http://schemas.microsoft.com/office/drawing/2014/main" id="{C2B0A875-FBE7-5345-0628-5EC13FDBDB18}"/>
+                </a:ext>
+              </a:extLst>
+            </p:cNvPr>
+            <p:cNvSpPr/>
+            <p:nvPr/>
+          </p:nvSpPr>
+          <p:spPr>
+            <a:xfrm>
+              <a:off x="3135160" y="3358836"/>
+              <a:ext cx="381000" cy="9525"/>
+            </a:xfrm>
+            <a:custGeom>
+              <a:avLst/>
+              <a:gdLst>
+                <a:gd name="connsiteX0" fmla="*/ 0 w 381000"/>
+                <a:gd name="connsiteY0" fmla="*/ 0 h 9525"/>
+                <a:gd name="connsiteX1" fmla="*/ 381000 w 381000"/>
+                <a:gd name="connsiteY1" fmla="*/ 0 h 9525"/>
+              </a:gdLst>
+              <a:ahLst/>
+              <a:cxnLst>
+                <a:cxn ang="0">
+                  <a:pos x="connsiteX0" y="connsiteY0"/>
+                </a:cxn>
+                <a:cxn ang="0">
+                  <a:pos x="connsiteX1" y="connsiteY1"/>
+                </a:cxn>
+              </a:cxnLst>
+              <a:rect l="l" t="t" r="r" b="b"/>
+              <a:pathLst>
+                <a:path w="381000" h="9525">
+                  <a:moveTo>
+                    <a:pt x="0" y="0"/>
+                  </a:moveTo>
+                  <a:lnTo>
+                    <a:pt x="381000" y="0"/>
+                  </a:lnTo>
+                </a:path>
+              </a:pathLst>
+            </a:custGeom>
+            <a:solidFill>
+              <a:srgbClr val="000000"/>
+            </a:solidFill>
+            <a:ln w="95250" cap="rnd">
+              <a:solidFill>
+                <a:srgbClr val="CCCCCC"/>
+              </a:solidFill>
+              <a:prstDash val="solid"/>
+              <a:miter/>
+            </a:ln>
+          </p:spPr>
+          <p:txBody>
+            <a:bodyPr rtlCol="0" anchor="ctr"/>
+            <a:lstStyle/>
+            <a:p>
+              <a:endParaRPr lang="en-US"/>
+            </a:p>
+          </p:txBody>
+        </p:sp>
+        <p:sp>
+          <p:nvSpPr>
+            <p:cNvPr id="127" name="Freeform 126">
+              <a:extLst>
+                <a:ext uri="{FF2B5EF4-FFF2-40B4-BE49-F238E27FC236}">
+                  <a16:creationId xmlns:a16="http://schemas.microsoft.com/office/drawing/2014/main" id="{A5D9E6EA-5BB5-A67D-9BBF-EDAF90DD7720}"/>
+                </a:ext>
+              </a:extLst>
+            </p:cNvPr>
+            <p:cNvSpPr/>
+            <p:nvPr/>
+          </p:nvSpPr>
+          <p:spPr>
+            <a:xfrm>
+              <a:off x="2754160" y="3588838"/>
+              <a:ext cx="9525" cy="381000"/>
+            </a:xfrm>
+            <a:custGeom>
+              <a:avLst/>
+              <a:gdLst>
+                <a:gd name="connsiteX0" fmla="*/ 0 w 9525"/>
+                <a:gd name="connsiteY0" fmla="*/ 0 h 381000"/>
+                <a:gd name="connsiteX1" fmla="*/ 0 w 9525"/>
+                <a:gd name="connsiteY1" fmla="*/ 381000 h 381000"/>
+              </a:gdLst>
+              <a:ahLst/>
+              <a:cxnLst>
+                <a:cxn ang="0">
+                  <a:pos x="connsiteX0" y="connsiteY0"/>
+                </a:cxn>
+                <a:cxn ang="0">
+                  <a:pos x="connsiteX1" y="connsiteY1"/>
+                </a:cxn>
+              </a:cxnLst>
+              <a:rect l="l" t="t" r="r" b="b"/>
+              <a:pathLst>
+                <a:path w="9525" h="381000">
+                  <a:moveTo>
+                    <a:pt x="0" y="0"/>
+                  </a:moveTo>
+                  <a:lnTo>
+                    <a:pt x="0" y="381000"/>
+                  </a:lnTo>
+                </a:path>
+              </a:pathLst>
+            </a:custGeom>
+            <a:solidFill>
+              <a:srgbClr val="000000"/>
+            </a:solidFill>
+            <a:ln w="114300" cap="rnd">
+              <a:solidFill>
+                <a:srgbClr val="CCCCCC"/>
+              </a:solidFill>
+              <a:prstDash val="solid"/>
+              <a:miter/>
+            </a:ln>
+          </p:spPr>
+          <p:txBody>
+            <a:bodyPr rtlCol="0" anchor="ctr"/>
+            <a:lstStyle/>
+            <a:p>
+              <a:endParaRPr lang="en-US"/>
+            </a:p>
+          </p:txBody>
+        </p:sp>
+        <p:sp>
+          <p:nvSpPr>
+            <p:cNvPr id="128" name="Freeform 127">
+              <a:extLst>
+                <a:ext uri="{FF2B5EF4-FFF2-40B4-BE49-F238E27FC236}">
+                  <a16:creationId xmlns:a16="http://schemas.microsoft.com/office/drawing/2014/main" id="{0A163710-D339-9A48-7D14-E3DA85A0035C}"/>
+                </a:ext>
+              </a:extLst>
+            </p:cNvPr>
+            <p:cNvSpPr/>
+            <p:nvPr/>
+          </p:nvSpPr>
+          <p:spPr>
+            <a:xfrm>
+              <a:off x="1896910" y="3263586"/>
+              <a:ext cx="190500" cy="190500"/>
+            </a:xfrm>
+            <a:custGeom>
+              <a:avLst/>
+              <a:gdLst>
+                <a:gd name="connsiteX0" fmla="*/ 190500 w 190500"/>
+                <a:gd name="connsiteY0" fmla="*/ 95250 h 190500"/>
+                <a:gd name="connsiteX1" fmla="*/ 95250 w 190500"/>
+                <a:gd name="connsiteY1" fmla="*/ 190500 h 190500"/>
+                <a:gd name="connsiteX2" fmla="*/ 0 w 190500"/>
+                <a:gd name="connsiteY2" fmla="*/ 95250 h 190500"/>
+                <a:gd name="connsiteX3" fmla="*/ 95250 w 190500"/>
+                <a:gd name="connsiteY3" fmla="*/ 0 h 190500"/>
+                <a:gd name="connsiteX4" fmla="*/ 190500 w 190500"/>
+                <a:gd name="connsiteY4" fmla="*/ 95250 h 190500"/>
+              </a:gdLst>
+              <a:ahLst/>
+              <a:cxnLst>
+                <a:cxn ang="0">
+                  <a:pos x="connsiteX0" y="connsiteY0"/>
+                </a:cxn>
+                <a:cxn ang="0">
+                  <a:pos x="connsiteX1" y="connsiteY1"/>
+                </a:cxn>
+                <a:cxn ang="0">
+                  <a:pos x="connsiteX2" y="connsiteY2"/>
+                </a:cxn>
+                <a:cxn ang="0">
+                  <a:pos x="connsiteX3" y="connsiteY3"/>
+                </a:cxn>
+                <a:cxn ang="0">
+                  <a:pos x="connsiteX4" y="connsiteY4"/>
+                </a:cxn>
+              </a:cxnLst>
+              <a:rect l="l" t="t" r="r" b="b"/>
+              <a:pathLst>
+                <a:path w="190500" h="190500">
+                  <a:moveTo>
+                    <a:pt x="190500" y="95250"/>
+                  </a:moveTo>
+                  <a:cubicBezTo>
+                    <a:pt x="190500" y="147855"/>
+                    <a:pt x="147855" y="190500"/>
+                    <a:pt x="95250" y="190500"/>
+                  </a:cubicBezTo>
+                  <a:cubicBezTo>
+                    <a:pt x="42645" y="190500"/>
+                    <a:pt x="0" y="147855"/>
+                    <a:pt x="0" y="95250"/>
+                  </a:cubicBezTo>
+                  <a:cubicBezTo>
+                    <a:pt x="0" y="42645"/>
+                    <a:pt x="42645" y="0"/>
+                    <a:pt x="95250" y="0"/>
+                  </a:cubicBezTo>
+                  <a:cubicBezTo>
+                    <a:pt x="147855" y="0"/>
+                    <a:pt x="190500" y="42645"/>
+                    <a:pt x="190500" y="95250"/>
+                  </a:cubicBezTo>
+                  <a:close/>
+                </a:path>
+              </a:pathLst>
+            </a:custGeom>
+            <a:solidFill>
+              <a:srgbClr val="EEEEEE"/>
+            </a:solidFill>
+            <a:ln w="9525" cap="flat">
+              <a:solidFill>
+                <a:srgbClr val="DDDDDD"/>
+              </a:solidFill>
+              <a:prstDash val="solid"/>
+              <a:miter/>
+            </a:ln>
+          </p:spPr>
+          <p:txBody>
+            <a:bodyPr rtlCol="0" anchor="ctr"/>
+            <a:lstStyle/>
+            <a:p>
+              <a:endParaRPr lang="en-US"/>
+            </a:p>
+          </p:txBody>
+        </p:sp>
+        <p:sp>
+          <p:nvSpPr>
+            <p:cNvPr id="129" name="Freeform 128">
+              <a:extLst>
+                <a:ext uri="{FF2B5EF4-FFF2-40B4-BE49-F238E27FC236}">
+                  <a16:creationId xmlns:a16="http://schemas.microsoft.com/office/drawing/2014/main" id="{F443AAA7-E8FA-1C1D-0578-26825B781352}"/>
+                </a:ext>
+              </a:extLst>
+            </p:cNvPr>
+            <p:cNvSpPr/>
+            <p:nvPr/>
+          </p:nvSpPr>
+          <p:spPr>
+            <a:xfrm>
+              <a:off x="3430435" y="3273111"/>
+              <a:ext cx="171450" cy="171450"/>
+            </a:xfrm>
+            <a:custGeom>
+              <a:avLst/>
+              <a:gdLst>
+                <a:gd name="connsiteX0" fmla="*/ 171450 w 171450"/>
+                <a:gd name="connsiteY0" fmla="*/ 85725 h 171450"/>
+                <a:gd name="connsiteX1" fmla="*/ 85725 w 171450"/>
+                <a:gd name="connsiteY1" fmla="*/ 171450 h 171450"/>
+                <a:gd name="connsiteX2" fmla="*/ 0 w 171450"/>
+                <a:gd name="connsiteY2" fmla="*/ 85725 h 171450"/>
+                <a:gd name="connsiteX3" fmla="*/ 85725 w 171450"/>
+                <a:gd name="connsiteY3" fmla="*/ 0 h 171450"/>
+                <a:gd name="connsiteX4" fmla="*/ 171450 w 171450"/>
+                <a:gd name="connsiteY4" fmla="*/ 85725 h 171450"/>
+              </a:gdLst>
+              <a:ahLst/>
+              <a:cxnLst>
+                <a:cxn ang="0">
+                  <a:pos x="connsiteX0" y="connsiteY0"/>
+                </a:cxn>
+                <a:cxn ang="0">
+                  <a:pos x="connsiteX1" y="connsiteY1"/>
+                </a:cxn>
+                <a:cxn ang="0">
+                  <a:pos x="connsiteX2" y="connsiteY2"/>
+                </a:cxn>
+                <a:cxn ang="0">
+                  <a:pos x="connsiteX3" y="connsiteY3"/>
+                </a:cxn>
+                <a:cxn ang="0">
+                  <a:pos x="connsiteX4" y="connsiteY4"/>
+                </a:cxn>
+              </a:cxnLst>
+              <a:rect l="l" t="t" r="r" b="b"/>
+              <a:pathLst>
+                <a:path w="171450" h="171450">
+                  <a:moveTo>
+                    <a:pt x="171450" y="85725"/>
+                  </a:moveTo>
+                  <a:cubicBezTo>
+                    <a:pt x="171450" y="133070"/>
+                    <a:pt x="133070" y="171450"/>
+                    <a:pt x="85725" y="171450"/>
+                  </a:cubicBezTo>
+                  <a:cubicBezTo>
+                    <a:pt x="38380" y="171450"/>
+                    <a:pt x="0" y="133070"/>
+                    <a:pt x="0" y="85725"/>
+                  </a:cubicBezTo>
+                  <a:cubicBezTo>
+                    <a:pt x="0" y="38380"/>
+                    <a:pt x="38380" y="0"/>
+                    <a:pt x="85725" y="0"/>
+                  </a:cubicBezTo>
+                  <a:cubicBezTo>
+                    <a:pt x="133070" y="0"/>
+                    <a:pt x="171450" y="38380"/>
+                    <a:pt x="171450" y="85725"/>
+                  </a:cubicBezTo>
+                  <a:close/>
+                </a:path>
+              </a:pathLst>
+            </a:custGeom>
+            <a:solidFill>
+              <a:srgbClr val="EEEEEE"/>
+            </a:solidFill>
+            <a:ln w="9525" cap="flat">
+              <a:solidFill>
+                <a:srgbClr val="DDDDDD"/>
+              </a:solidFill>
+              <a:prstDash val="solid"/>
+              <a:miter/>
+            </a:ln>
+          </p:spPr>
+          <p:txBody>
+            <a:bodyPr rtlCol="0" anchor="ctr"/>
+            <a:lstStyle/>
+            <a:p>
+              <a:endParaRPr lang="en-US"/>
+            </a:p>
+          </p:txBody>
+        </p:sp>
+        <p:sp>
+          <p:nvSpPr>
+            <p:cNvPr id="130" name="Freeform 129">
+              <a:extLst>
+                <a:ext uri="{FF2B5EF4-FFF2-40B4-BE49-F238E27FC236}">
+                  <a16:creationId xmlns:a16="http://schemas.microsoft.com/office/drawing/2014/main" id="{F9FD29CF-419C-2AF6-7047-9AD01E499A81}"/>
+                </a:ext>
+              </a:extLst>
+            </p:cNvPr>
+            <p:cNvSpPr/>
+            <p:nvPr/>
+          </p:nvSpPr>
+          <p:spPr>
+            <a:xfrm>
+              <a:off x="2658910" y="3874588"/>
+              <a:ext cx="190500" cy="190500"/>
+            </a:xfrm>
+            <a:custGeom>
+              <a:avLst/>
+              <a:gdLst>
+                <a:gd name="connsiteX0" fmla="*/ 190500 w 190500"/>
+                <a:gd name="connsiteY0" fmla="*/ 95250 h 190500"/>
+                <a:gd name="connsiteX1" fmla="*/ 95250 w 190500"/>
+                <a:gd name="connsiteY1" fmla="*/ 190500 h 190500"/>
+                <a:gd name="connsiteX2" fmla="*/ 0 w 190500"/>
+                <a:gd name="connsiteY2" fmla="*/ 95250 h 190500"/>
+                <a:gd name="connsiteX3" fmla="*/ 95250 w 190500"/>
+                <a:gd name="connsiteY3" fmla="*/ 0 h 190500"/>
+                <a:gd name="connsiteX4" fmla="*/ 190500 w 190500"/>
+                <a:gd name="connsiteY4" fmla="*/ 95250 h 190500"/>
+              </a:gdLst>
+              <a:ahLst/>
+              <a:cxnLst>
+                <a:cxn ang="0">
+                  <a:pos x="connsiteX0" y="connsiteY0"/>
+                </a:cxn>
+                <a:cxn ang="0">
+                  <a:pos x="connsiteX1" y="connsiteY1"/>
+                </a:cxn>
+                <a:cxn ang="0">
+                  <a:pos x="connsiteX2" y="connsiteY2"/>
+                </a:cxn>
+                <a:cxn ang="0">
+                  <a:pos x="connsiteX3" y="connsiteY3"/>
+                </a:cxn>
+                <a:cxn ang="0">
+                  <a:pos x="connsiteX4" y="connsiteY4"/>
+                </a:cxn>
+              </a:cxnLst>
+              <a:rect l="l" t="t" r="r" b="b"/>
+              <a:pathLst>
+                <a:path w="190500" h="190500">
+                  <a:moveTo>
+                    <a:pt x="190500" y="95250"/>
+                  </a:moveTo>
+                  <a:cubicBezTo>
+                    <a:pt x="190500" y="147855"/>
+                    <a:pt x="147855" y="190500"/>
+                    <a:pt x="95250" y="190500"/>
+                  </a:cubicBezTo>
+                  <a:cubicBezTo>
+                    <a:pt x="42645" y="190500"/>
+                    <a:pt x="0" y="147855"/>
+                    <a:pt x="0" y="95250"/>
+                  </a:cubicBezTo>
+                  <a:cubicBezTo>
+                    <a:pt x="0" y="42645"/>
+                    <a:pt x="42645" y="0"/>
+                    <a:pt x="95250" y="0"/>
+                  </a:cubicBezTo>
+                  <a:cubicBezTo>
+                    <a:pt x="147855" y="0"/>
+                    <a:pt x="190500" y="42645"/>
+                    <a:pt x="190500" y="95250"/>
+                  </a:cubicBezTo>
+                  <a:close/>
+                </a:path>
+              </a:pathLst>
+            </a:custGeom>
+            <a:solidFill>
+              <a:srgbClr val="EEEEEE"/>
+            </a:solidFill>
+            <a:ln w="9525" cap="flat">
+              <a:solidFill>
+                <a:srgbClr val="DDDDDD"/>
+              </a:solidFill>
+              <a:prstDash val="solid"/>
+              <a:miter/>
+            </a:ln>
+          </p:spPr>
+          <p:txBody>
+            <a:bodyPr rtlCol="0" anchor="ctr"/>
+            <a:lstStyle/>
+            <a:p>
+              <a:endParaRPr lang="en-US"/>
+            </a:p>
+          </p:txBody>
+        </p:sp>
+        <p:sp>
+          <p:nvSpPr>
+            <p:cNvPr id="131" name="Freeform 130">
+              <a:extLst>
+                <a:ext uri="{FF2B5EF4-FFF2-40B4-BE49-F238E27FC236}">
+                  <a16:creationId xmlns:a16="http://schemas.microsoft.com/office/drawing/2014/main" id="{D2CB669B-4169-2437-EDBB-D14543884D6E}"/>
+                </a:ext>
+              </a:extLst>
+            </p:cNvPr>
+            <p:cNvSpPr/>
+            <p:nvPr/>
+          </p:nvSpPr>
+          <p:spPr>
+            <a:xfrm>
+              <a:off x="2087410" y="3358836"/>
+              <a:ext cx="142875" cy="9525"/>
+            </a:xfrm>
+            <a:custGeom>
+              <a:avLst/>
+              <a:gdLst>
+                <a:gd name="connsiteX0" fmla="*/ 0 w 142875"/>
+                <a:gd name="connsiteY0" fmla="*/ 0 h 9525"/>
+                <a:gd name="connsiteX1" fmla="*/ 142875 w 142875"/>
+                <a:gd name="connsiteY1" fmla="*/ 0 h 9525"/>
+              </a:gdLst>
+              <a:ahLst/>
+              <a:cxnLst>
+                <a:cxn ang="0">
+                  <a:pos x="connsiteX0" y="connsiteY0"/>
+                </a:cxn>
+                <a:cxn ang="0">
+                  <a:pos x="connsiteX1" y="connsiteY1"/>
+                </a:cxn>
+              </a:cxnLst>
+              <a:rect l="l" t="t" r="r" b="b"/>
+              <a:pathLst>
+                <a:path w="142875" h="9525">
+                  <a:moveTo>
+                    <a:pt x="0" y="0"/>
+                  </a:moveTo>
+                  <a:lnTo>
+                    <a:pt x="142875" y="0"/>
+                  </a:lnTo>
+                </a:path>
+              </a:pathLst>
+            </a:custGeom>
+            <a:solidFill>
+              <a:srgbClr val="000000"/>
+            </a:solidFill>
+            <a:ln w="152400" cap="rnd">
+              <a:solidFill>
+                <a:srgbClr val="EEEEEE"/>
+              </a:solidFill>
+              <a:prstDash val="solid"/>
+              <a:miter/>
+            </a:ln>
+          </p:spPr>
+          <p:txBody>
+            <a:bodyPr rtlCol="0" anchor="ctr"/>
+            <a:lstStyle/>
+            <a:p>
+              <a:endParaRPr lang="en-US"/>
+            </a:p>
+          </p:txBody>
+        </p:sp>
+        <p:sp>
+          <p:nvSpPr>
+            <p:cNvPr id="132" name="Freeform 131">
+              <a:extLst>
+                <a:ext uri="{FF2B5EF4-FFF2-40B4-BE49-F238E27FC236}">
+                  <a16:creationId xmlns:a16="http://schemas.microsoft.com/office/drawing/2014/main" id="{6AB94526-0627-A2DA-D0A0-23924D19F370}"/>
+                </a:ext>
+              </a:extLst>
+            </p:cNvPr>
+            <p:cNvSpPr/>
+            <p:nvPr/>
+          </p:nvSpPr>
+          <p:spPr>
+            <a:xfrm>
+              <a:off x="3278035" y="3358836"/>
+              <a:ext cx="142875" cy="9525"/>
+            </a:xfrm>
+            <a:custGeom>
+              <a:avLst/>
+              <a:gdLst>
+                <a:gd name="connsiteX0" fmla="*/ 0 w 142875"/>
+                <a:gd name="connsiteY0" fmla="*/ 0 h 9525"/>
+                <a:gd name="connsiteX1" fmla="*/ 142875 w 142875"/>
+                <a:gd name="connsiteY1" fmla="*/ 0 h 9525"/>
+              </a:gdLst>
+              <a:ahLst/>
+              <a:cxnLst>
+                <a:cxn ang="0">
+                  <a:pos x="connsiteX0" y="connsiteY0"/>
+                </a:cxn>
+                <a:cxn ang="0">
+                  <a:pos x="connsiteX1" y="connsiteY1"/>
+                </a:cxn>
+              </a:cxnLst>
+              <a:rect l="l" t="t" r="r" b="b"/>
+              <a:pathLst>
+                <a:path w="142875" h="9525">
+                  <a:moveTo>
+                    <a:pt x="0" y="0"/>
+                  </a:moveTo>
+                  <a:lnTo>
+                    <a:pt x="142875" y="0"/>
+                  </a:lnTo>
+                </a:path>
+              </a:pathLst>
+            </a:custGeom>
+            <a:solidFill>
+              <a:srgbClr val="000000"/>
+            </a:solidFill>
+            <a:ln w="133350" cap="rnd">
+              <a:solidFill>
+                <a:srgbClr val="EEEEEE"/>
+              </a:solidFill>
+              <a:prstDash val="solid"/>
+              <a:miter/>
+            </a:ln>
+          </p:spPr>
+          <p:txBody>
+            <a:bodyPr rtlCol="0" anchor="ctr"/>
+            <a:lstStyle/>
+            <a:p>
+              <a:endParaRPr lang="en-US"/>
+            </a:p>
+          </p:txBody>
+        </p:sp>
+        <p:sp>
+          <p:nvSpPr>
+            <p:cNvPr id="133" name="Freeform 132">
+              <a:extLst>
+                <a:ext uri="{FF2B5EF4-FFF2-40B4-BE49-F238E27FC236}">
+                  <a16:creationId xmlns:a16="http://schemas.microsoft.com/office/drawing/2014/main" id="{9F2B8DB9-0632-9097-AE74-7BCE1A4B9D8B}"/>
+                </a:ext>
+              </a:extLst>
+            </p:cNvPr>
+            <p:cNvSpPr/>
+            <p:nvPr/>
+          </p:nvSpPr>
+          <p:spPr>
+            <a:xfrm>
+              <a:off x="2754160" y="3731713"/>
+              <a:ext cx="9525" cy="142875"/>
+            </a:xfrm>
+            <a:custGeom>
+              <a:avLst/>
+              <a:gdLst>
+                <a:gd name="connsiteX0" fmla="*/ 0 w 9525"/>
+                <a:gd name="connsiteY0" fmla="*/ 0 h 142875"/>
+                <a:gd name="connsiteX1" fmla="*/ 0 w 9525"/>
+                <a:gd name="connsiteY1" fmla="*/ 142875 h 142875"/>
+              </a:gdLst>
+              <a:ahLst/>
+              <a:cxnLst>
+                <a:cxn ang="0">
+                  <a:pos x="connsiteX0" y="connsiteY0"/>
+                </a:cxn>
+                <a:cxn ang="0">
+                  <a:pos x="connsiteX1" y="connsiteY1"/>
+                </a:cxn>
+              </a:cxnLst>
+              <a:rect l="l" t="t" r="r" b="b"/>
+              <a:pathLst>
+                <a:path w="9525" h="142875">
+                  <a:moveTo>
+                    <a:pt x="0" y="0"/>
+                  </a:moveTo>
+                  <a:lnTo>
+                    <a:pt x="0" y="142875"/>
+                  </a:lnTo>
+                </a:path>
+              </a:pathLst>
+            </a:custGeom>
+            <a:solidFill>
+              <a:srgbClr val="000000"/>
+            </a:solidFill>
+            <a:ln w="152400" cap="rnd">
+              <a:solidFill>
+                <a:srgbClr val="EEEEEE"/>
+              </a:solidFill>
+              <a:prstDash val="solid"/>
+              <a:miter/>
+            </a:ln>
+          </p:spPr>
+          <p:txBody>
+            <a:bodyPr rtlCol="0" anchor="ctr"/>
+            <a:lstStyle/>
+            <a:p>
+              <a:endParaRPr lang="en-US"/>
+            </a:p>
+          </p:txBody>
+        </p:sp>
+        <p:sp>
+          <p:nvSpPr>
+            <p:cNvPr id="134" name="Freeform 133">
+              <a:extLst>
+                <a:ext uri="{FF2B5EF4-FFF2-40B4-BE49-F238E27FC236}">
+                  <a16:creationId xmlns:a16="http://schemas.microsoft.com/office/drawing/2014/main" id="{BF19C9BE-49D6-357D-CD9E-F86B30C665F7}"/>
+                </a:ext>
+              </a:extLst>
+            </p:cNvPr>
+            <p:cNvSpPr/>
+            <p:nvPr/>
+          </p:nvSpPr>
+          <p:spPr>
+            <a:xfrm>
+              <a:off x="2135035" y="3282636"/>
+              <a:ext cx="9525" cy="152400"/>
+            </a:xfrm>
+            <a:custGeom>
+              <a:avLst/>
+              <a:gdLst>
+                <a:gd name="connsiteX0" fmla="*/ 0 w 9525"/>
+                <a:gd name="connsiteY0" fmla="*/ 0 h 152400"/>
+                <a:gd name="connsiteX1" fmla="*/ 0 w 9525"/>
+                <a:gd name="connsiteY1" fmla="*/ 152400 h 152400"/>
+              </a:gdLst>
+              <a:ahLst/>
+              <a:cxnLst>
+                <a:cxn ang="0">
+                  <a:pos x="connsiteX0" y="connsiteY0"/>
+                </a:cxn>
+                <a:cxn ang="0">
+                  <a:pos x="connsiteX1" y="connsiteY1"/>
+                </a:cxn>
+              </a:cxnLst>
+              <a:rect l="l" t="t" r="r" b="b"/>
+              <a:pathLst>
+                <a:path w="9525" h="152400">
+                  <a:moveTo>
+                    <a:pt x="0" y="0"/>
+                  </a:moveTo>
+                  <a:lnTo>
+                    <a:pt x="0" y="152400"/>
+                  </a:lnTo>
+                </a:path>
+              </a:pathLst>
+            </a:custGeom>
+            <a:solidFill>
+              <a:srgbClr val="000000"/>
+            </a:solidFill>
+            <a:ln w="9525" cap="flat">
+              <a:solidFill>
+                <a:srgbClr val="DDDDDD"/>
+              </a:solidFill>
+              <a:prstDash val="solid"/>
+              <a:miter/>
+            </a:ln>
+          </p:spPr>
+          <p:txBody>
+            <a:bodyPr rtlCol="0" anchor="ctr"/>
+            <a:lstStyle/>
+            <a:p>
+              <a:endParaRPr lang="en-US"/>
+            </a:p>
+          </p:txBody>
+        </p:sp>
+        <p:sp>
+          <p:nvSpPr>
+            <p:cNvPr id="135" name="Freeform 134">
+              <a:extLst>
+                <a:ext uri="{FF2B5EF4-FFF2-40B4-BE49-F238E27FC236}">
+                  <a16:creationId xmlns:a16="http://schemas.microsoft.com/office/drawing/2014/main" id="{18830B54-9ACB-6F2C-35A6-1765FB4FB0D5}"/>
+                </a:ext>
+              </a:extLst>
+            </p:cNvPr>
+            <p:cNvSpPr/>
+            <p:nvPr/>
+          </p:nvSpPr>
+          <p:spPr>
+            <a:xfrm>
+              <a:off x="2163610" y="3282636"/>
+              <a:ext cx="9525" cy="152400"/>
+            </a:xfrm>
+            <a:custGeom>
+              <a:avLst/>
+              <a:gdLst>
+                <a:gd name="connsiteX0" fmla="*/ 0 w 9525"/>
+                <a:gd name="connsiteY0" fmla="*/ 0 h 152400"/>
+                <a:gd name="connsiteX1" fmla="*/ 0 w 9525"/>
+                <a:gd name="connsiteY1" fmla="*/ 152400 h 152400"/>
+              </a:gdLst>
+              <a:ahLst/>
+              <a:cxnLst>
+                <a:cxn ang="0">
+                  <a:pos x="connsiteX0" y="connsiteY0"/>
+                </a:cxn>
+                <a:cxn ang="0">
+                  <a:pos x="connsiteX1" y="connsiteY1"/>
+                </a:cxn>
+              </a:cxnLst>
+              <a:rect l="l" t="t" r="r" b="b"/>
+              <a:pathLst>
+                <a:path w="9525" h="152400">
+                  <a:moveTo>
+                    <a:pt x="0" y="0"/>
+                  </a:moveTo>
+                  <a:lnTo>
+                    <a:pt x="0" y="152400"/>
+                  </a:lnTo>
+                </a:path>
+              </a:pathLst>
+            </a:custGeom>
+            <a:solidFill>
+              <a:srgbClr val="000000"/>
+            </a:solidFill>
+            <a:ln w="9525" cap="flat">
+              <a:solidFill>
+                <a:srgbClr val="DDDDDD"/>
+              </a:solidFill>
+              <a:prstDash val="solid"/>
+              <a:miter/>
+            </a:ln>
+          </p:spPr>
+          <p:txBody>
+            <a:bodyPr rtlCol="0" anchor="ctr"/>
+            <a:lstStyle/>
+            <a:p>
+              <a:endParaRPr lang="en-US"/>
+            </a:p>
+          </p:txBody>
+        </p:sp>
+        <p:sp>
+          <p:nvSpPr>
+            <p:cNvPr id="136" name="Freeform 135">
+              <a:extLst>
+                <a:ext uri="{FF2B5EF4-FFF2-40B4-BE49-F238E27FC236}">
+                  <a16:creationId xmlns:a16="http://schemas.microsoft.com/office/drawing/2014/main" id="{C7EE3EC3-42F6-7BFC-5E35-8440FC123201}"/>
+                </a:ext>
+              </a:extLst>
+            </p:cNvPr>
+            <p:cNvSpPr/>
+            <p:nvPr/>
+          </p:nvSpPr>
+          <p:spPr>
+            <a:xfrm>
+              <a:off x="2192185" y="3282636"/>
+              <a:ext cx="9525" cy="152400"/>
+            </a:xfrm>
+            <a:custGeom>
+              <a:avLst/>
+              <a:gdLst>
+                <a:gd name="connsiteX0" fmla="*/ 0 w 9525"/>
+                <a:gd name="connsiteY0" fmla="*/ 0 h 152400"/>
+                <a:gd name="connsiteX1" fmla="*/ 0 w 9525"/>
+                <a:gd name="connsiteY1" fmla="*/ 152400 h 152400"/>
+              </a:gdLst>
+              <a:ahLst/>
+              <a:cxnLst>
+                <a:cxn ang="0">
+                  <a:pos x="connsiteX0" y="connsiteY0"/>
+                </a:cxn>
+                <a:cxn ang="0">
+                  <a:pos x="connsiteX1" y="connsiteY1"/>
+                </a:cxn>
+              </a:cxnLst>
+              <a:rect l="l" t="t" r="r" b="b"/>
+              <a:pathLst>
+                <a:path w="9525" h="152400">
+                  <a:moveTo>
+                    <a:pt x="0" y="0"/>
+                  </a:moveTo>
+                  <a:lnTo>
+                    <a:pt x="0" y="152400"/>
+                  </a:lnTo>
+                </a:path>
+              </a:pathLst>
+            </a:custGeom>
+            <a:solidFill>
+              <a:srgbClr val="000000"/>
+            </a:solidFill>
+            <a:ln w="9525" cap="flat">
+              <a:solidFill>
+                <a:srgbClr val="DDDDDD"/>
+              </a:solidFill>
+              <a:prstDash val="solid"/>
+              <a:miter/>
+            </a:ln>
+          </p:spPr>
+          <p:txBody>
+            <a:bodyPr rtlCol="0" anchor="ctr"/>
+            <a:lstStyle/>
+            <a:p>
+              <a:endParaRPr lang="en-US"/>
+            </a:p>
+          </p:txBody>
+        </p:sp>
+        <p:sp>
+          <p:nvSpPr>
+            <p:cNvPr id="137" name="Freeform 136">
+              <a:extLst>
+                <a:ext uri="{FF2B5EF4-FFF2-40B4-BE49-F238E27FC236}">
+                  <a16:creationId xmlns:a16="http://schemas.microsoft.com/office/drawing/2014/main" id="{C75DDB2F-CFCE-7FA7-5552-B68F7CFAE2FF}"/>
+                </a:ext>
+              </a:extLst>
+            </p:cNvPr>
+            <p:cNvSpPr/>
+            <p:nvPr/>
+          </p:nvSpPr>
+          <p:spPr>
+            <a:xfrm>
+              <a:off x="3344710" y="3282636"/>
+              <a:ext cx="9525" cy="152400"/>
+            </a:xfrm>
+            <a:custGeom>
+              <a:avLst/>
+              <a:gdLst>
+                <a:gd name="connsiteX0" fmla="*/ 0 w 9525"/>
+                <a:gd name="connsiteY0" fmla="*/ 0 h 152400"/>
+                <a:gd name="connsiteX1" fmla="*/ 0 w 9525"/>
+                <a:gd name="connsiteY1" fmla="*/ 152400 h 152400"/>
+              </a:gdLst>
+              <a:ahLst/>
+              <a:cxnLst>
+                <a:cxn ang="0">
+                  <a:pos x="connsiteX0" y="connsiteY0"/>
+                </a:cxn>
+                <a:cxn ang="0">
+                  <a:pos x="connsiteX1" y="connsiteY1"/>
+                </a:cxn>
+              </a:cxnLst>
+              <a:rect l="l" t="t" r="r" b="b"/>
+              <a:pathLst>
+                <a:path w="9525" h="152400">
+                  <a:moveTo>
+                    <a:pt x="0" y="0"/>
+                  </a:moveTo>
+                  <a:lnTo>
+                    <a:pt x="0" y="152400"/>
+                  </a:lnTo>
+                </a:path>
+              </a:pathLst>
+            </a:custGeom>
+            <a:solidFill>
+              <a:srgbClr val="000000"/>
+            </a:solidFill>
+            <a:ln w="9525" cap="flat">
+              <a:solidFill>
+                <a:srgbClr val="DDDDDD"/>
+              </a:solidFill>
+              <a:prstDash val="solid"/>
+              <a:miter/>
+            </a:ln>
+          </p:spPr>
+          <p:txBody>
+            <a:bodyPr rtlCol="0" anchor="ctr"/>
+            <a:lstStyle/>
+            <a:p>
+              <a:endParaRPr lang="en-US"/>
+            </a:p>
+          </p:txBody>
+        </p:sp>
+        <p:sp>
+          <p:nvSpPr>
+            <p:cNvPr id="138" name="Freeform 137">
+              <a:extLst>
+                <a:ext uri="{FF2B5EF4-FFF2-40B4-BE49-F238E27FC236}">
+                  <a16:creationId xmlns:a16="http://schemas.microsoft.com/office/drawing/2014/main" id="{3B934B90-EC62-0923-6B85-354A747754A3}"/>
+                </a:ext>
+              </a:extLst>
+            </p:cNvPr>
+            <p:cNvSpPr/>
+            <p:nvPr/>
+          </p:nvSpPr>
+          <p:spPr>
+            <a:xfrm>
+              <a:off x="3373285" y="3282636"/>
+              <a:ext cx="9525" cy="152400"/>
+            </a:xfrm>
+            <a:custGeom>
+              <a:avLst/>
+              <a:gdLst>
+                <a:gd name="connsiteX0" fmla="*/ 0 w 9525"/>
+                <a:gd name="connsiteY0" fmla="*/ 0 h 152400"/>
+                <a:gd name="connsiteX1" fmla="*/ 0 w 9525"/>
+                <a:gd name="connsiteY1" fmla="*/ 152400 h 152400"/>
+              </a:gdLst>
+              <a:ahLst/>
+              <a:cxnLst>
+                <a:cxn ang="0">
+                  <a:pos x="connsiteX0" y="connsiteY0"/>
+                </a:cxn>
+                <a:cxn ang="0">
+                  <a:pos x="connsiteX1" y="connsiteY1"/>
+                </a:cxn>
+              </a:cxnLst>
+              <a:rect l="l" t="t" r="r" b="b"/>
+              <a:pathLst>
+                <a:path w="9525" h="152400">
+                  <a:moveTo>
+                    <a:pt x="0" y="0"/>
+                  </a:moveTo>
+                  <a:lnTo>
+                    <a:pt x="0" y="152400"/>
+                  </a:lnTo>
+                </a:path>
+              </a:pathLst>
+            </a:custGeom>
+            <a:solidFill>
+              <a:srgbClr val="000000"/>
+            </a:solidFill>
+            <a:ln w="9525" cap="flat">
+              <a:solidFill>
+                <a:srgbClr val="DDDDDD"/>
+              </a:solidFill>
+              <a:prstDash val="solid"/>
+              <a:miter/>
+            </a:ln>
+          </p:spPr>
+          <p:txBody>
+            <a:bodyPr rtlCol="0" anchor="ctr"/>
+            <a:lstStyle/>
+            <a:p>
+              <a:endParaRPr lang="en-US"/>
+            </a:p>
+          </p:txBody>
+        </p:sp>
+        <p:sp>
+          <p:nvSpPr>
+            <p:cNvPr id="139" name="Freeform 138">
+              <a:extLst>
+                <a:ext uri="{FF2B5EF4-FFF2-40B4-BE49-F238E27FC236}">
+                  <a16:creationId xmlns:a16="http://schemas.microsoft.com/office/drawing/2014/main" id="{109E0A02-78E5-6E17-AEE6-90D10EF72A35}"/>
+                </a:ext>
+              </a:extLst>
+            </p:cNvPr>
+            <p:cNvSpPr/>
+            <p:nvPr/>
+          </p:nvSpPr>
+          <p:spPr>
+            <a:xfrm>
+              <a:off x="2677960" y="3798388"/>
+              <a:ext cx="152400" cy="9525"/>
+            </a:xfrm>
+            <a:custGeom>
+              <a:avLst/>
+              <a:gdLst>
+                <a:gd name="connsiteX0" fmla="*/ 0 w 152400"/>
+                <a:gd name="connsiteY0" fmla="*/ 0 h 9525"/>
+                <a:gd name="connsiteX1" fmla="*/ 152400 w 152400"/>
+                <a:gd name="connsiteY1" fmla="*/ 0 h 9525"/>
+              </a:gdLst>
+              <a:ahLst/>
+              <a:cxnLst>
+                <a:cxn ang="0">
+                  <a:pos x="connsiteX0" y="connsiteY0"/>
+                </a:cxn>
+                <a:cxn ang="0">
+                  <a:pos x="connsiteX1" y="connsiteY1"/>
+                </a:cxn>
+              </a:cxnLst>
+              <a:rect l="l" t="t" r="r" b="b"/>
+              <a:pathLst>
+                <a:path w="152400" h="9525">
+                  <a:moveTo>
+                    <a:pt x="0" y="0"/>
+                  </a:moveTo>
+                  <a:lnTo>
+                    <a:pt x="152400" y="0"/>
+                  </a:lnTo>
+                </a:path>
+              </a:pathLst>
+            </a:custGeom>
+            <a:solidFill>
+              <a:srgbClr val="000000"/>
+            </a:solidFill>
+            <a:ln w="9525" cap="flat">
+              <a:solidFill>
+                <a:srgbClr val="DDDDDD"/>
+              </a:solidFill>
+              <a:prstDash val="solid"/>
+              <a:miter/>
+            </a:ln>
+          </p:spPr>
+          <p:txBody>
+            <a:bodyPr rtlCol="0" anchor="ctr"/>
+            <a:lstStyle/>
+            <a:p>
+              <a:endParaRPr lang="en-US"/>
+            </a:p>
+          </p:txBody>
+        </p:sp>
+        <p:sp>
+          <p:nvSpPr>
+            <p:cNvPr id="140" name="Freeform 139">
+              <a:extLst>
+                <a:ext uri="{FF2B5EF4-FFF2-40B4-BE49-F238E27FC236}">
+                  <a16:creationId xmlns:a16="http://schemas.microsoft.com/office/drawing/2014/main" id="{067733BA-B1CC-DDD6-AD06-55D9435C37EB}"/>
+                </a:ext>
+              </a:extLst>
+            </p:cNvPr>
+            <p:cNvSpPr/>
+            <p:nvPr/>
+          </p:nvSpPr>
+          <p:spPr>
+            <a:xfrm>
+              <a:off x="2677960" y="3826963"/>
+              <a:ext cx="152400" cy="9525"/>
+            </a:xfrm>
+            <a:custGeom>
+              <a:avLst/>
+              <a:gdLst>
+                <a:gd name="connsiteX0" fmla="*/ 0 w 152400"/>
+                <a:gd name="connsiteY0" fmla="*/ 0 h 9525"/>
+                <a:gd name="connsiteX1" fmla="*/ 152400 w 152400"/>
+                <a:gd name="connsiteY1" fmla="*/ 0 h 9525"/>
+              </a:gdLst>
+              <a:ahLst/>
+              <a:cxnLst>
+                <a:cxn ang="0">
+                  <a:pos x="connsiteX0" y="connsiteY0"/>
+                </a:cxn>
+                <a:cxn ang="0">
+                  <a:pos x="connsiteX1" y="connsiteY1"/>
+                </a:cxn>
+              </a:cxnLst>
+              <a:rect l="l" t="t" r="r" b="b"/>
+              <a:pathLst>
+                <a:path w="152400" h="9525">
+                  <a:moveTo>
+                    <a:pt x="0" y="0"/>
+                  </a:moveTo>
+                  <a:lnTo>
+                    <a:pt x="152400" y="0"/>
+                  </a:lnTo>
+                </a:path>
+              </a:pathLst>
+            </a:custGeom>
+            <a:solidFill>
+              <a:srgbClr val="000000"/>
+            </a:solidFill>
+            <a:ln w="9525" cap="flat">
+              <a:solidFill>
+                <a:srgbClr val="DDDDDD"/>
+              </a:solidFill>
+              <a:prstDash val="solid"/>
+              <a:miter/>
+            </a:ln>
+          </p:spPr>
+          <p:txBody>
+            <a:bodyPr rtlCol="0" anchor="ctr"/>
+            <a:lstStyle/>
+            <a:p>
+              <a:endParaRPr lang="en-US"/>
+            </a:p>
+          </p:txBody>
+        </p:sp>
+        <p:sp>
+          <p:nvSpPr>
+            <p:cNvPr id="141" name="Freeform 140">
+              <a:extLst>
+                <a:ext uri="{FF2B5EF4-FFF2-40B4-BE49-F238E27FC236}">
+                  <a16:creationId xmlns:a16="http://schemas.microsoft.com/office/drawing/2014/main" id="{0D949369-0696-9CF5-F835-0599CBDA882A}"/>
+                </a:ext>
+              </a:extLst>
+            </p:cNvPr>
+            <p:cNvSpPr/>
+            <p:nvPr/>
+          </p:nvSpPr>
+          <p:spPr>
+            <a:xfrm>
+              <a:off x="2677960" y="3855538"/>
+              <a:ext cx="152400" cy="9525"/>
+            </a:xfrm>
+            <a:custGeom>
+              <a:avLst/>
+              <a:gdLst>
+                <a:gd name="connsiteX0" fmla="*/ 0 w 152400"/>
+                <a:gd name="connsiteY0" fmla="*/ 0 h 9525"/>
+                <a:gd name="connsiteX1" fmla="*/ 152400 w 152400"/>
+                <a:gd name="connsiteY1" fmla="*/ 0 h 9525"/>
+              </a:gdLst>
+              <a:ahLst/>
+              <a:cxnLst>
+                <a:cxn ang="0">
+                  <a:pos x="connsiteX0" y="connsiteY0"/>
+                </a:cxn>
+                <a:cxn ang="0">
+                  <a:pos x="connsiteX1" y="connsiteY1"/>
+                </a:cxn>
+              </a:cxnLst>
+              <a:rect l="l" t="t" r="r" b="b"/>
+              <a:pathLst>
+                <a:path w="152400" h="9525">
+                  <a:moveTo>
+                    <a:pt x="0" y="0"/>
+                  </a:moveTo>
+                  <a:lnTo>
+                    <a:pt x="152400" y="0"/>
+                  </a:lnTo>
+                </a:path>
+              </a:pathLst>
+            </a:custGeom>
+            <a:solidFill>
+              <a:srgbClr val="000000"/>
+            </a:solidFill>
+            <a:ln w="9525" cap="flat">
+              <a:solidFill>
+                <a:srgbClr val="DDDDDD"/>
+              </a:solidFill>
+              <a:prstDash val="solid"/>
+              <a:miter/>
+            </a:ln>
+          </p:spPr>
+          <p:txBody>
+            <a:bodyPr rtlCol="0" anchor="ctr"/>
+            <a:lstStyle/>
+            <a:p>
+              <a:endParaRPr lang="en-US"/>
+            </a:p>
+          </p:txBody>
+        </p:sp>
+        <p:sp>
+          <p:nvSpPr>
+            <p:cNvPr id="142" name="Freeform 141">
+              <a:extLst>
+                <a:ext uri="{FF2B5EF4-FFF2-40B4-BE49-F238E27FC236}">
+                  <a16:creationId xmlns:a16="http://schemas.microsoft.com/office/drawing/2014/main" id="{5C05A919-4499-46EE-E2F5-B76829E68DEB}"/>
+                </a:ext>
+              </a:extLst>
+            </p:cNvPr>
+            <p:cNvSpPr/>
+            <p:nvPr/>
+          </p:nvSpPr>
+          <p:spPr>
+            <a:xfrm>
+              <a:off x="2373160" y="3168336"/>
+              <a:ext cx="762000" cy="381000"/>
+            </a:xfrm>
+            <a:custGeom>
+              <a:avLst/>
+              <a:gdLst>
+                <a:gd name="connsiteX0" fmla="*/ 0 w 762000"/>
+                <a:gd name="connsiteY0" fmla="*/ 0 h 381000"/>
+                <a:gd name="connsiteX1" fmla="*/ 381000 w 762000"/>
+                <a:gd name="connsiteY1" fmla="*/ 0 h 381000"/>
+                <a:gd name="connsiteX2" fmla="*/ 762000 w 762000"/>
+                <a:gd name="connsiteY2" fmla="*/ 0 h 381000"/>
+                <a:gd name="connsiteX3" fmla="*/ 762000 w 762000"/>
+                <a:gd name="connsiteY3" fmla="*/ 190500 h 381000"/>
+                <a:gd name="connsiteX4" fmla="*/ 762000 w 762000"/>
+                <a:gd name="connsiteY4" fmla="*/ 381000 h 381000"/>
+                <a:gd name="connsiteX5" fmla="*/ 381000 w 762000"/>
+                <a:gd name="connsiteY5" fmla="*/ 381000 h 381000"/>
+                <a:gd name="connsiteX6" fmla="*/ 0 w 762000"/>
+                <a:gd name="connsiteY6" fmla="*/ 381000 h 381000"/>
+                <a:gd name="connsiteX7" fmla="*/ 0 w 762000"/>
+                <a:gd name="connsiteY7" fmla="*/ 190500 h 381000"/>
+              </a:gdLst>
+              <a:ahLst/>
+              <a:cxnLst>
+                <a:cxn ang="0">
+                  <a:pos x="connsiteX0" y="connsiteY0"/>
+                </a:cxn>
+                <a:cxn ang="0">
+                  <a:pos x="connsiteX1" y="connsiteY1"/>
+                </a:cxn>
+                <a:cxn ang="0">
+                  <a:pos x="connsiteX2" y="connsiteY2"/>
+                </a:cxn>
+                <a:cxn ang="0">
+                  <a:pos x="connsiteX3" y="connsiteY3"/>
+                </a:cxn>
+                <a:cxn ang="0">
+                  <a:pos x="connsiteX4" y="connsiteY4"/>
+                </a:cxn>
+                <a:cxn ang="0">
+                  <a:pos x="connsiteX5" y="connsiteY5"/>
+                </a:cxn>
+                <a:cxn ang="0">
+                  <a:pos x="connsiteX6" y="connsiteY6"/>
+                </a:cxn>
+                <a:cxn ang="0">
+                  <a:pos x="connsiteX7" y="connsiteY7"/>
+                </a:cxn>
+              </a:cxnLst>
+              <a:rect l="l" t="t" r="r" b="b"/>
+              <a:pathLst>
+                <a:path w="762000" h="381000">
+                  <a:moveTo>
+                    <a:pt x="0" y="0"/>
+                  </a:moveTo>
+                  <a:lnTo>
+                    <a:pt x="381000" y="0"/>
+                  </a:lnTo>
+                  <a:lnTo>
+                    <a:pt x="762000" y="0"/>
+                  </a:lnTo>
+                  <a:lnTo>
+                    <a:pt x="762000" y="190500"/>
+                  </a:lnTo>
+                  <a:lnTo>
+                    <a:pt x="762000" y="381000"/>
+                  </a:lnTo>
+                  <a:lnTo>
+                    <a:pt x="381000" y="381000"/>
+                  </a:lnTo>
+                  <a:lnTo>
+                    <a:pt x="0" y="381000"/>
+                  </a:lnTo>
+                  <a:lnTo>
+                    <a:pt x="0" y="190500"/>
+                  </a:lnTo>
+                  <a:close/>
+                </a:path>
+              </a:pathLst>
+            </a:custGeom>
+            <a:solidFill>
+              <a:srgbClr val="0055DD"/>
+            </a:solidFill>
+            <a:ln w="9525" cap="flat">
+              <a:solidFill>
+                <a:srgbClr val="0044BB"/>
+              </a:solidFill>
+              <a:prstDash val="solid"/>
+              <a:miter/>
+            </a:ln>
+          </p:spPr>
+          <p:txBody>
+            <a:bodyPr rtlCol="0" anchor="ctr"/>
+            <a:lstStyle/>
+            <a:p>
+              <a:endParaRPr lang="en-US"/>
+            </a:p>
+          </p:txBody>
+        </p:sp>
+        <p:sp>
+          <p:nvSpPr>
+            <p:cNvPr id="143" name="Freeform 142">
+              <a:extLst>
+                <a:ext uri="{FF2B5EF4-FFF2-40B4-BE49-F238E27FC236}">
+                  <a16:creationId xmlns:a16="http://schemas.microsoft.com/office/drawing/2014/main" id="{0CB31F83-C2E7-A2D7-BA72-8EDF50EC9925}"/>
+                </a:ext>
+              </a:extLst>
+            </p:cNvPr>
+            <p:cNvSpPr/>
+            <p:nvPr/>
+          </p:nvSpPr>
+          <p:spPr>
+            <a:xfrm>
+              <a:off x="2611285" y="3025461"/>
+              <a:ext cx="285750" cy="333375"/>
+            </a:xfrm>
+            <a:custGeom>
+              <a:avLst/>
+              <a:gdLst>
+                <a:gd name="connsiteX0" fmla="*/ 0 w 285750"/>
+                <a:gd name="connsiteY0" fmla="*/ 0 h 333375"/>
+                <a:gd name="connsiteX1" fmla="*/ 285750 w 285750"/>
+                <a:gd name="connsiteY1" fmla="*/ 0 h 333375"/>
+                <a:gd name="connsiteX2" fmla="*/ 285750 w 285750"/>
+                <a:gd name="connsiteY2" fmla="*/ 190500 h 333375"/>
+                <a:gd name="connsiteX3" fmla="*/ 190500 w 285750"/>
+                <a:gd name="connsiteY3" fmla="*/ 333375 h 333375"/>
+                <a:gd name="connsiteX4" fmla="*/ 95250 w 285750"/>
+                <a:gd name="connsiteY4" fmla="*/ 333375 h 333375"/>
+                <a:gd name="connsiteX5" fmla="*/ 0 w 285750"/>
+                <a:gd name="connsiteY5" fmla="*/ 190500 h 333375"/>
+              </a:gdLst>
+              <a:ahLst/>
+              <a:cxnLst>
+                <a:cxn ang="0">
+                  <a:pos x="connsiteX0" y="connsiteY0"/>
+                </a:cxn>
+                <a:cxn ang="0">
+                  <a:pos x="connsiteX1" y="connsiteY1"/>
+                </a:cxn>
+                <a:cxn ang="0">
+                  <a:pos x="connsiteX2" y="connsiteY2"/>
+                </a:cxn>
+                <a:cxn ang="0">
+                  <a:pos x="connsiteX3" y="connsiteY3"/>
+                </a:cxn>
+                <a:cxn ang="0">
+                  <a:pos x="connsiteX4" y="connsiteY4"/>
+                </a:cxn>
+                <a:cxn ang="0">
+                  <a:pos x="connsiteX5" y="connsiteY5"/>
+                </a:cxn>
+              </a:cxnLst>
+              <a:rect l="l" t="t" r="r" b="b"/>
+              <a:pathLst>
+                <a:path w="285750" h="333375">
+                  <a:moveTo>
+                    <a:pt x="0" y="0"/>
+                  </a:moveTo>
+                  <a:lnTo>
+                    <a:pt x="285750" y="0"/>
+                  </a:lnTo>
+                  <a:lnTo>
+                    <a:pt x="285750" y="190500"/>
+                  </a:lnTo>
+                  <a:lnTo>
+                    <a:pt x="190500" y="333375"/>
+                  </a:lnTo>
+                  <a:lnTo>
+                    <a:pt x="95250" y="333375"/>
+                  </a:lnTo>
+                  <a:lnTo>
+                    <a:pt x="0" y="190500"/>
+                  </a:lnTo>
+                  <a:close/>
+                </a:path>
+              </a:pathLst>
+            </a:custGeom>
+            <a:solidFill>
+              <a:srgbClr val="0033AA"/>
+            </a:solidFill>
+            <a:ln w="9525" cap="flat">
+              <a:solidFill>
+                <a:srgbClr val="0022AA"/>
+              </a:solidFill>
+              <a:prstDash val="solid"/>
+              <a:miter/>
+            </a:ln>
+          </p:spPr>
+          <p:txBody>
+            <a:bodyPr rtlCol="0" anchor="ctr"/>
+            <a:lstStyle/>
+            <a:p>
+              <a:endParaRPr lang="en-US"/>
+            </a:p>
+          </p:txBody>
+        </p:sp>
+        <p:sp>
+          <p:nvSpPr>
+            <p:cNvPr id="144" name="Freeform 143">
+              <a:extLst>
+                <a:ext uri="{FF2B5EF4-FFF2-40B4-BE49-F238E27FC236}">
+                  <a16:creationId xmlns:a16="http://schemas.microsoft.com/office/drawing/2014/main" id="{3C513A7E-621D-168A-674C-104302297827}"/>
+                </a:ext>
+              </a:extLst>
+            </p:cNvPr>
+            <p:cNvSpPr/>
+            <p:nvPr/>
+          </p:nvSpPr>
+          <p:spPr>
+            <a:xfrm>
+              <a:off x="2658910" y="3263586"/>
+              <a:ext cx="190500" cy="190500"/>
+            </a:xfrm>
+            <a:custGeom>
+              <a:avLst/>
+              <a:gdLst>
+                <a:gd name="connsiteX0" fmla="*/ 190500 w 190500"/>
+                <a:gd name="connsiteY0" fmla="*/ 95250 h 190500"/>
+                <a:gd name="connsiteX1" fmla="*/ 95250 w 190500"/>
+                <a:gd name="connsiteY1" fmla="*/ 190500 h 190500"/>
+                <a:gd name="connsiteX2" fmla="*/ 0 w 190500"/>
+                <a:gd name="connsiteY2" fmla="*/ 95250 h 190500"/>
+                <a:gd name="connsiteX3" fmla="*/ 95250 w 190500"/>
+                <a:gd name="connsiteY3" fmla="*/ 0 h 190500"/>
+                <a:gd name="connsiteX4" fmla="*/ 190500 w 190500"/>
+                <a:gd name="connsiteY4" fmla="*/ 95250 h 190500"/>
+              </a:gdLst>
+              <a:ahLst/>
+              <a:cxnLst>
+                <a:cxn ang="0">
+                  <a:pos x="connsiteX0" y="connsiteY0"/>
+                </a:cxn>
+                <a:cxn ang="0">
+                  <a:pos x="connsiteX1" y="connsiteY1"/>
+                </a:cxn>
+                <a:cxn ang="0">
+                  <a:pos x="connsiteX2" y="connsiteY2"/>
+                </a:cxn>
+                <a:cxn ang="0">
+                  <a:pos x="connsiteX3" y="connsiteY3"/>
+                </a:cxn>
+                <a:cxn ang="0">
+                  <a:pos x="connsiteX4" y="connsiteY4"/>
+                </a:cxn>
+              </a:cxnLst>
+              <a:rect l="l" t="t" r="r" b="b"/>
+              <a:pathLst>
+                <a:path w="190500" h="190500">
+                  <a:moveTo>
+                    <a:pt x="190500" y="95250"/>
+                  </a:moveTo>
+                  <a:cubicBezTo>
+                    <a:pt x="190500" y="147855"/>
+                    <a:pt x="147855" y="190500"/>
+                    <a:pt x="95250" y="190500"/>
+                  </a:cubicBezTo>
+                  <a:cubicBezTo>
+                    <a:pt x="42645" y="190500"/>
+                    <a:pt x="0" y="147855"/>
+                    <a:pt x="0" y="95250"/>
+                  </a:cubicBezTo>
+                  <a:cubicBezTo>
+                    <a:pt x="0" y="42645"/>
+                    <a:pt x="42645" y="0"/>
+                    <a:pt x="95250" y="0"/>
+                  </a:cubicBezTo>
+                  <a:cubicBezTo>
+                    <a:pt x="147855" y="0"/>
+                    <a:pt x="190500" y="42645"/>
+                    <a:pt x="190500" y="95250"/>
+                  </a:cubicBezTo>
+                  <a:close/>
+                </a:path>
+              </a:pathLst>
+            </a:custGeom>
+            <a:solidFill>
+              <a:srgbClr val="001155"/>
+            </a:solidFill>
+            <a:ln w="9525" cap="flat">
+              <a:noFill/>
+              <a:prstDash val="solid"/>
+              <a:miter/>
+            </a:ln>
+          </p:spPr>
+          <p:txBody>
+            <a:bodyPr rtlCol="0" anchor="ctr"/>
+            <a:lstStyle/>
+            <a:p>
+              <a:endParaRPr lang="en-US"/>
+            </a:p>
+          </p:txBody>
+        </p:sp>
+      </p:grpSp>
+      <p:grpSp>
+        <p:nvGrpSpPr>
+          <p:cNvPr id="145" name="Group 144">
+            <a:extLst>
+              <a:ext uri="{FF2B5EF4-FFF2-40B4-BE49-F238E27FC236}">
+                <a16:creationId xmlns:a16="http://schemas.microsoft.com/office/drawing/2014/main" id="{8DEFB590-B64F-92F6-8AD0-DE64992AA78A}"/>
+              </a:ext>
+            </a:extLst>
+          </p:cNvPr>
+          <p:cNvGrpSpPr>
+            <a:grpSpLocks noChangeAspect="1"/>
+          </p:cNvGrpSpPr>
+          <p:nvPr/>
+        </p:nvGrpSpPr>
+        <p:grpSpPr>
+          <a:xfrm rot="884742">
+            <a:off x="7360926" y="4272262"/>
+            <a:ext cx="579319" cy="353246"/>
+            <a:chOff x="1896910" y="3025461"/>
+            <a:chExt cx="1704975" cy="1039627"/>
+          </a:xfrm>
+        </p:grpSpPr>
+        <p:sp>
+          <p:nvSpPr>
+            <p:cNvPr id="146" name="Freeform 145">
+              <a:extLst>
+                <a:ext uri="{FF2B5EF4-FFF2-40B4-BE49-F238E27FC236}">
+                  <a16:creationId xmlns:a16="http://schemas.microsoft.com/office/drawing/2014/main" id="{36D9E073-E5BD-A028-833A-42640F02C61A}"/>
+                </a:ext>
+              </a:extLst>
+            </p:cNvPr>
+            <p:cNvSpPr/>
+            <p:nvPr/>
+          </p:nvSpPr>
+          <p:spPr>
+            <a:xfrm>
+              <a:off x="1992160" y="3358836"/>
+              <a:ext cx="381000" cy="9525"/>
+            </a:xfrm>
+            <a:custGeom>
+              <a:avLst/>
+              <a:gdLst>
+                <a:gd name="connsiteX0" fmla="*/ 381000 w 381000"/>
+                <a:gd name="connsiteY0" fmla="*/ 0 h 9525"/>
+                <a:gd name="connsiteX1" fmla="*/ 0 w 381000"/>
+                <a:gd name="connsiteY1" fmla="*/ 0 h 9525"/>
+              </a:gdLst>
+              <a:ahLst/>
+              <a:cxnLst>
+                <a:cxn ang="0">
+                  <a:pos x="connsiteX0" y="connsiteY0"/>
+                </a:cxn>
+                <a:cxn ang="0">
+                  <a:pos x="connsiteX1" y="connsiteY1"/>
+                </a:cxn>
+              </a:cxnLst>
+              <a:rect l="l" t="t" r="r" b="b"/>
+              <a:pathLst>
+                <a:path w="381000" h="9525">
+                  <a:moveTo>
+                    <a:pt x="381000" y="0"/>
+                  </a:moveTo>
+                  <a:lnTo>
+                    <a:pt x="0" y="0"/>
+                  </a:lnTo>
+                </a:path>
+              </a:pathLst>
+            </a:custGeom>
+            <a:solidFill>
+              <a:srgbClr val="000000"/>
+            </a:solidFill>
+            <a:ln w="114300" cap="rnd">
+              <a:solidFill>
+                <a:srgbClr val="CCCCCC"/>
+              </a:solidFill>
+              <a:prstDash val="solid"/>
+              <a:miter/>
+            </a:ln>
+          </p:spPr>
+          <p:txBody>
+            <a:bodyPr rtlCol="0" anchor="ctr"/>
+            <a:lstStyle/>
+            <a:p>
+              <a:endParaRPr lang="en-US"/>
+            </a:p>
+          </p:txBody>
+        </p:sp>
+        <p:sp>
+          <p:nvSpPr>
+            <p:cNvPr id="147" name="Freeform 146">
+              <a:extLst>
+                <a:ext uri="{FF2B5EF4-FFF2-40B4-BE49-F238E27FC236}">
+                  <a16:creationId xmlns:a16="http://schemas.microsoft.com/office/drawing/2014/main" id="{A05A7864-C261-3E93-B73F-638778F1C7B6}"/>
+                </a:ext>
+              </a:extLst>
+            </p:cNvPr>
+            <p:cNvSpPr/>
+            <p:nvPr/>
+          </p:nvSpPr>
+          <p:spPr>
+            <a:xfrm>
+              <a:off x="3135160" y="3358836"/>
+              <a:ext cx="381000" cy="9525"/>
+            </a:xfrm>
+            <a:custGeom>
+              <a:avLst/>
+              <a:gdLst>
+                <a:gd name="connsiteX0" fmla="*/ 0 w 381000"/>
+                <a:gd name="connsiteY0" fmla="*/ 0 h 9525"/>
+                <a:gd name="connsiteX1" fmla="*/ 381000 w 381000"/>
+                <a:gd name="connsiteY1" fmla="*/ 0 h 9525"/>
+              </a:gdLst>
+              <a:ahLst/>
+              <a:cxnLst>
+                <a:cxn ang="0">
+                  <a:pos x="connsiteX0" y="connsiteY0"/>
+                </a:cxn>
+                <a:cxn ang="0">
+                  <a:pos x="connsiteX1" y="connsiteY1"/>
+                </a:cxn>
+              </a:cxnLst>
+              <a:rect l="l" t="t" r="r" b="b"/>
+              <a:pathLst>
+                <a:path w="381000" h="9525">
+                  <a:moveTo>
+                    <a:pt x="0" y="0"/>
+                  </a:moveTo>
+                  <a:lnTo>
+                    <a:pt x="381000" y="0"/>
+                  </a:lnTo>
+                </a:path>
+              </a:pathLst>
+            </a:custGeom>
+            <a:solidFill>
+              <a:srgbClr val="000000"/>
+            </a:solidFill>
+            <a:ln w="95250" cap="rnd">
+              <a:solidFill>
+                <a:srgbClr val="CCCCCC"/>
+              </a:solidFill>
+              <a:prstDash val="solid"/>
+              <a:miter/>
+            </a:ln>
+          </p:spPr>
+          <p:txBody>
+            <a:bodyPr rtlCol="0" anchor="ctr"/>
+            <a:lstStyle/>
+            <a:p>
+              <a:endParaRPr lang="en-US"/>
+            </a:p>
+          </p:txBody>
+        </p:sp>
+        <p:sp>
+          <p:nvSpPr>
+            <p:cNvPr id="148" name="Freeform 147">
+              <a:extLst>
+                <a:ext uri="{FF2B5EF4-FFF2-40B4-BE49-F238E27FC236}">
+                  <a16:creationId xmlns:a16="http://schemas.microsoft.com/office/drawing/2014/main" id="{C3580588-A6CE-2DFC-44E2-F57D56F0798F}"/>
+                </a:ext>
+              </a:extLst>
+            </p:cNvPr>
+            <p:cNvSpPr/>
+            <p:nvPr/>
+          </p:nvSpPr>
+          <p:spPr>
+            <a:xfrm>
+              <a:off x="2754160" y="3588838"/>
+              <a:ext cx="9525" cy="381000"/>
+            </a:xfrm>
+            <a:custGeom>
+              <a:avLst/>
+              <a:gdLst>
+                <a:gd name="connsiteX0" fmla="*/ 0 w 9525"/>
+                <a:gd name="connsiteY0" fmla="*/ 0 h 381000"/>
+                <a:gd name="connsiteX1" fmla="*/ 0 w 9525"/>
+                <a:gd name="connsiteY1" fmla="*/ 381000 h 381000"/>
+              </a:gdLst>
+              <a:ahLst/>
+              <a:cxnLst>
+                <a:cxn ang="0">
+                  <a:pos x="connsiteX0" y="connsiteY0"/>
+                </a:cxn>
+                <a:cxn ang="0">
+                  <a:pos x="connsiteX1" y="connsiteY1"/>
+                </a:cxn>
+              </a:cxnLst>
+              <a:rect l="l" t="t" r="r" b="b"/>
+              <a:pathLst>
+                <a:path w="9525" h="381000">
+                  <a:moveTo>
+                    <a:pt x="0" y="0"/>
+                  </a:moveTo>
+                  <a:lnTo>
+                    <a:pt x="0" y="381000"/>
+                  </a:lnTo>
+                </a:path>
+              </a:pathLst>
+            </a:custGeom>
+            <a:solidFill>
+              <a:srgbClr val="000000"/>
+            </a:solidFill>
+            <a:ln w="114300" cap="rnd">
+              <a:solidFill>
+                <a:srgbClr val="CCCCCC"/>
+              </a:solidFill>
+              <a:prstDash val="solid"/>
+              <a:miter/>
+            </a:ln>
+          </p:spPr>
+          <p:txBody>
+            <a:bodyPr rtlCol="0" anchor="ctr"/>
+            <a:lstStyle/>
+            <a:p>
+              <a:endParaRPr lang="en-US"/>
+            </a:p>
+          </p:txBody>
+        </p:sp>
+        <p:sp>
+          <p:nvSpPr>
+            <p:cNvPr id="149" name="Freeform 148">
+              <a:extLst>
+                <a:ext uri="{FF2B5EF4-FFF2-40B4-BE49-F238E27FC236}">
+                  <a16:creationId xmlns:a16="http://schemas.microsoft.com/office/drawing/2014/main" id="{A406FA7A-A082-3795-F5E7-87F08BDB47E2}"/>
+                </a:ext>
+              </a:extLst>
+            </p:cNvPr>
+            <p:cNvSpPr/>
+            <p:nvPr/>
+          </p:nvSpPr>
+          <p:spPr>
+            <a:xfrm>
+              <a:off x="1896910" y="3263586"/>
+              <a:ext cx="190500" cy="190500"/>
+            </a:xfrm>
+            <a:custGeom>
+              <a:avLst/>
+              <a:gdLst>
+                <a:gd name="connsiteX0" fmla="*/ 190500 w 190500"/>
+                <a:gd name="connsiteY0" fmla="*/ 95250 h 190500"/>
+                <a:gd name="connsiteX1" fmla="*/ 95250 w 190500"/>
+                <a:gd name="connsiteY1" fmla="*/ 190500 h 190500"/>
+                <a:gd name="connsiteX2" fmla="*/ 0 w 190500"/>
+                <a:gd name="connsiteY2" fmla="*/ 95250 h 190500"/>
+                <a:gd name="connsiteX3" fmla="*/ 95250 w 190500"/>
+                <a:gd name="connsiteY3" fmla="*/ 0 h 190500"/>
+                <a:gd name="connsiteX4" fmla="*/ 190500 w 190500"/>
+                <a:gd name="connsiteY4" fmla="*/ 95250 h 190500"/>
+              </a:gdLst>
+              <a:ahLst/>
+              <a:cxnLst>
+                <a:cxn ang="0">
+                  <a:pos x="connsiteX0" y="connsiteY0"/>
+                </a:cxn>
+                <a:cxn ang="0">
+                  <a:pos x="connsiteX1" y="connsiteY1"/>
+                </a:cxn>
+                <a:cxn ang="0">
+                  <a:pos x="connsiteX2" y="connsiteY2"/>
+                </a:cxn>
+                <a:cxn ang="0">
+                  <a:pos x="connsiteX3" y="connsiteY3"/>
+                </a:cxn>
+                <a:cxn ang="0">
+                  <a:pos x="connsiteX4" y="connsiteY4"/>
+                </a:cxn>
+              </a:cxnLst>
+              <a:rect l="l" t="t" r="r" b="b"/>
+              <a:pathLst>
+                <a:path w="190500" h="190500">
+                  <a:moveTo>
+                    <a:pt x="190500" y="95250"/>
+                  </a:moveTo>
+                  <a:cubicBezTo>
+                    <a:pt x="190500" y="147855"/>
+                    <a:pt x="147855" y="190500"/>
+                    <a:pt x="95250" y="190500"/>
+                  </a:cubicBezTo>
+                  <a:cubicBezTo>
+                    <a:pt x="42645" y="190500"/>
+                    <a:pt x="0" y="147855"/>
+                    <a:pt x="0" y="95250"/>
+                  </a:cubicBezTo>
+                  <a:cubicBezTo>
+                    <a:pt x="0" y="42645"/>
+                    <a:pt x="42645" y="0"/>
+                    <a:pt x="95250" y="0"/>
+                  </a:cubicBezTo>
+                  <a:cubicBezTo>
+                    <a:pt x="147855" y="0"/>
+                    <a:pt x="190500" y="42645"/>
+                    <a:pt x="190500" y="95250"/>
+                  </a:cubicBezTo>
+                  <a:close/>
+                </a:path>
+              </a:pathLst>
+            </a:custGeom>
+            <a:solidFill>
+              <a:srgbClr val="EEEEEE"/>
+            </a:solidFill>
+            <a:ln w="9525" cap="flat">
+              <a:solidFill>
+                <a:srgbClr val="DDDDDD"/>
+              </a:solidFill>
+              <a:prstDash val="solid"/>
+              <a:miter/>
+            </a:ln>
+          </p:spPr>
+          <p:txBody>
+            <a:bodyPr rtlCol="0" anchor="ctr"/>
+            <a:lstStyle/>
+            <a:p>
+              <a:endParaRPr lang="en-US"/>
+            </a:p>
+          </p:txBody>
+        </p:sp>
+        <p:sp>
+          <p:nvSpPr>
+            <p:cNvPr id="150" name="Freeform 149">
+              <a:extLst>
+                <a:ext uri="{FF2B5EF4-FFF2-40B4-BE49-F238E27FC236}">
+                  <a16:creationId xmlns:a16="http://schemas.microsoft.com/office/drawing/2014/main" id="{F5ABEA74-C68F-E643-E5B3-CCB4C52DA4B8}"/>
+                </a:ext>
+              </a:extLst>
+            </p:cNvPr>
+            <p:cNvSpPr/>
+            <p:nvPr/>
+          </p:nvSpPr>
+          <p:spPr>
+            <a:xfrm>
+              <a:off x="3430435" y="3273111"/>
+              <a:ext cx="171450" cy="171450"/>
+            </a:xfrm>
+            <a:custGeom>
+              <a:avLst/>
+              <a:gdLst>
+                <a:gd name="connsiteX0" fmla="*/ 171450 w 171450"/>
+                <a:gd name="connsiteY0" fmla="*/ 85725 h 171450"/>
+                <a:gd name="connsiteX1" fmla="*/ 85725 w 171450"/>
+                <a:gd name="connsiteY1" fmla="*/ 171450 h 171450"/>
+                <a:gd name="connsiteX2" fmla="*/ 0 w 171450"/>
+                <a:gd name="connsiteY2" fmla="*/ 85725 h 171450"/>
+                <a:gd name="connsiteX3" fmla="*/ 85725 w 171450"/>
+                <a:gd name="connsiteY3" fmla="*/ 0 h 171450"/>
+                <a:gd name="connsiteX4" fmla="*/ 171450 w 171450"/>
+                <a:gd name="connsiteY4" fmla="*/ 85725 h 171450"/>
+              </a:gdLst>
+              <a:ahLst/>
+              <a:cxnLst>
+                <a:cxn ang="0">
+                  <a:pos x="connsiteX0" y="connsiteY0"/>
+                </a:cxn>
+                <a:cxn ang="0">
+                  <a:pos x="connsiteX1" y="connsiteY1"/>
+                </a:cxn>
+                <a:cxn ang="0">
+                  <a:pos x="connsiteX2" y="connsiteY2"/>
+                </a:cxn>
+                <a:cxn ang="0">
+                  <a:pos x="connsiteX3" y="connsiteY3"/>
+                </a:cxn>
+                <a:cxn ang="0">
+                  <a:pos x="connsiteX4" y="connsiteY4"/>
+                </a:cxn>
+              </a:cxnLst>
+              <a:rect l="l" t="t" r="r" b="b"/>
+              <a:pathLst>
+                <a:path w="171450" h="171450">
+                  <a:moveTo>
+                    <a:pt x="171450" y="85725"/>
+                  </a:moveTo>
+                  <a:cubicBezTo>
+                    <a:pt x="171450" y="133070"/>
+                    <a:pt x="133070" y="171450"/>
+                    <a:pt x="85725" y="171450"/>
+                  </a:cubicBezTo>
+                  <a:cubicBezTo>
+                    <a:pt x="38380" y="171450"/>
+                    <a:pt x="0" y="133070"/>
+                    <a:pt x="0" y="85725"/>
+                  </a:cubicBezTo>
+                  <a:cubicBezTo>
+                    <a:pt x="0" y="38380"/>
+                    <a:pt x="38380" y="0"/>
+                    <a:pt x="85725" y="0"/>
+                  </a:cubicBezTo>
+                  <a:cubicBezTo>
+                    <a:pt x="133070" y="0"/>
+                    <a:pt x="171450" y="38380"/>
+                    <a:pt x="171450" y="85725"/>
+                  </a:cubicBezTo>
+                  <a:close/>
+                </a:path>
+              </a:pathLst>
+            </a:custGeom>
+            <a:solidFill>
+              <a:srgbClr val="EEEEEE"/>
+            </a:solidFill>
+            <a:ln w="9525" cap="flat">
+              <a:solidFill>
+                <a:srgbClr val="DDDDDD"/>
+              </a:solidFill>
+              <a:prstDash val="solid"/>
+              <a:miter/>
+            </a:ln>
+          </p:spPr>
+          <p:txBody>
+            <a:bodyPr rtlCol="0" anchor="ctr"/>
+            <a:lstStyle/>
+            <a:p>
+              <a:endParaRPr lang="en-US"/>
+            </a:p>
+          </p:txBody>
+        </p:sp>
+        <p:sp>
+          <p:nvSpPr>
+            <p:cNvPr id="151" name="Freeform 150">
+              <a:extLst>
+                <a:ext uri="{FF2B5EF4-FFF2-40B4-BE49-F238E27FC236}">
+                  <a16:creationId xmlns:a16="http://schemas.microsoft.com/office/drawing/2014/main" id="{63156DFB-117F-E9AB-9433-7C5C90ED0D4F}"/>
+                </a:ext>
+              </a:extLst>
+            </p:cNvPr>
+            <p:cNvSpPr/>
+            <p:nvPr/>
+          </p:nvSpPr>
+          <p:spPr>
+            <a:xfrm>
+              <a:off x="2658910" y="3874588"/>
+              <a:ext cx="190500" cy="190500"/>
+            </a:xfrm>
+            <a:custGeom>
+              <a:avLst/>
+              <a:gdLst>
+                <a:gd name="connsiteX0" fmla="*/ 190500 w 190500"/>
+                <a:gd name="connsiteY0" fmla="*/ 95250 h 190500"/>
+                <a:gd name="connsiteX1" fmla="*/ 95250 w 190500"/>
+                <a:gd name="connsiteY1" fmla="*/ 190500 h 190500"/>
+                <a:gd name="connsiteX2" fmla="*/ 0 w 190500"/>
+                <a:gd name="connsiteY2" fmla="*/ 95250 h 190500"/>
+                <a:gd name="connsiteX3" fmla="*/ 95250 w 190500"/>
+                <a:gd name="connsiteY3" fmla="*/ 0 h 190500"/>
+                <a:gd name="connsiteX4" fmla="*/ 190500 w 190500"/>
+                <a:gd name="connsiteY4" fmla="*/ 95250 h 190500"/>
+              </a:gdLst>
+              <a:ahLst/>
+              <a:cxnLst>
+                <a:cxn ang="0">
+                  <a:pos x="connsiteX0" y="connsiteY0"/>
+                </a:cxn>
+                <a:cxn ang="0">
+                  <a:pos x="connsiteX1" y="connsiteY1"/>
+                </a:cxn>
+                <a:cxn ang="0">
+                  <a:pos x="connsiteX2" y="connsiteY2"/>
+                </a:cxn>
+                <a:cxn ang="0">
+                  <a:pos x="connsiteX3" y="connsiteY3"/>
+                </a:cxn>
+                <a:cxn ang="0">
+                  <a:pos x="connsiteX4" y="connsiteY4"/>
+                </a:cxn>
+              </a:cxnLst>
+              <a:rect l="l" t="t" r="r" b="b"/>
+              <a:pathLst>
+                <a:path w="190500" h="190500">
+                  <a:moveTo>
+                    <a:pt x="190500" y="95250"/>
+                  </a:moveTo>
+                  <a:cubicBezTo>
+                    <a:pt x="190500" y="147855"/>
+                    <a:pt x="147855" y="190500"/>
+                    <a:pt x="95250" y="190500"/>
+                  </a:cubicBezTo>
+                  <a:cubicBezTo>
+                    <a:pt x="42645" y="190500"/>
+                    <a:pt x="0" y="147855"/>
+                    <a:pt x="0" y="95250"/>
+                  </a:cubicBezTo>
+                  <a:cubicBezTo>
+                    <a:pt x="0" y="42645"/>
+                    <a:pt x="42645" y="0"/>
+                    <a:pt x="95250" y="0"/>
+                  </a:cubicBezTo>
+                  <a:cubicBezTo>
+                    <a:pt x="147855" y="0"/>
+                    <a:pt x="190500" y="42645"/>
+                    <a:pt x="190500" y="95250"/>
+                  </a:cubicBezTo>
+                  <a:close/>
+                </a:path>
+              </a:pathLst>
+            </a:custGeom>
+            <a:solidFill>
+              <a:srgbClr val="EEEEEE"/>
+            </a:solidFill>
+            <a:ln w="9525" cap="flat">
+              <a:solidFill>
+                <a:srgbClr val="DDDDDD"/>
+              </a:solidFill>
+              <a:prstDash val="solid"/>
+              <a:miter/>
+            </a:ln>
+          </p:spPr>
+          <p:txBody>
+            <a:bodyPr rtlCol="0" anchor="ctr"/>
+            <a:lstStyle/>
+            <a:p>
+              <a:endParaRPr lang="en-US"/>
+            </a:p>
+          </p:txBody>
+        </p:sp>
+        <p:sp>
+          <p:nvSpPr>
+            <p:cNvPr id="152" name="Freeform 151">
+              <a:extLst>
+                <a:ext uri="{FF2B5EF4-FFF2-40B4-BE49-F238E27FC236}">
+                  <a16:creationId xmlns:a16="http://schemas.microsoft.com/office/drawing/2014/main" id="{3EFA0048-D468-C6F3-E4C2-93E9F69206D6}"/>
+                </a:ext>
+              </a:extLst>
+            </p:cNvPr>
+            <p:cNvSpPr/>
+            <p:nvPr/>
+          </p:nvSpPr>
+          <p:spPr>
+            <a:xfrm>
+              <a:off x="2087410" y="3358836"/>
+              <a:ext cx="142875" cy="9525"/>
+            </a:xfrm>
+            <a:custGeom>
+              <a:avLst/>
+              <a:gdLst>
+                <a:gd name="connsiteX0" fmla="*/ 0 w 142875"/>
+                <a:gd name="connsiteY0" fmla="*/ 0 h 9525"/>
+                <a:gd name="connsiteX1" fmla="*/ 142875 w 142875"/>
+                <a:gd name="connsiteY1" fmla="*/ 0 h 9525"/>
+              </a:gdLst>
+              <a:ahLst/>
+              <a:cxnLst>
+                <a:cxn ang="0">
+                  <a:pos x="connsiteX0" y="connsiteY0"/>
+                </a:cxn>
+                <a:cxn ang="0">
+                  <a:pos x="connsiteX1" y="connsiteY1"/>
+                </a:cxn>
+              </a:cxnLst>
+              <a:rect l="l" t="t" r="r" b="b"/>
+              <a:pathLst>
+                <a:path w="142875" h="9525">
+                  <a:moveTo>
+                    <a:pt x="0" y="0"/>
+                  </a:moveTo>
+                  <a:lnTo>
+                    <a:pt x="142875" y="0"/>
+                  </a:lnTo>
+                </a:path>
+              </a:pathLst>
+            </a:custGeom>
+            <a:solidFill>
+              <a:srgbClr val="000000"/>
+            </a:solidFill>
+            <a:ln w="152400" cap="rnd">
+              <a:solidFill>
+                <a:srgbClr val="EEEEEE"/>
+              </a:solidFill>
+              <a:prstDash val="solid"/>
+              <a:miter/>
+            </a:ln>
+          </p:spPr>
+          <p:txBody>
+            <a:bodyPr rtlCol="0" anchor="ctr"/>
+            <a:lstStyle/>
+            <a:p>
+              <a:endParaRPr lang="en-US"/>
+            </a:p>
+          </p:txBody>
+        </p:sp>
+        <p:sp>
+          <p:nvSpPr>
+            <p:cNvPr id="153" name="Freeform 152">
+              <a:extLst>
+                <a:ext uri="{FF2B5EF4-FFF2-40B4-BE49-F238E27FC236}">
+                  <a16:creationId xmlns:a16="http://schemas.microsoft.com/office/drawing/2014/main" id="{A0BD668A-CCCF-5CF1-0655-2F85D0C6211D}"/>
+                </a:ext>
+              </a:extLst>
+            </p:cNvPr>
+            <p:cNvSpPr/>
+            <p:nvPr/>
+          </p:nvSpPr>
+          <p:spPr>
+            <a:xfrm>
+              <a:off x="3278035" y="3358836"/>
+              <a:ext cx="142875" cy="9525"/>
+            </a:xfrm>
+            <a:custGeom>
+              <a:avLst/>
+              <a:gdLst>
+                <a:gd name="connsiteX0" fmla="*/ 0 w 142875"/>
+                <a:gd name="connsiteY0" fmla="*/ 0 h 9525"/>
+                <a:gd name="connsiteX1" fmla="*/ 142875 w 142875"/>
+                <a:gd name="connsiteY1" fmla="*/ 0 h 9525"/>
+              </a:gdLst>
+              <a:ahLst/>
+              <a:cxnLst>
+                <a:cxn ang="0">
+                  <a:pos x="connsiteX0" y="connsiteY0"/>
+                </a:cxn>
+                <a:cxn ang="0">
+                  <a:pos x="connsiteX1" y="connsiteY1"/>
+                </a:cxn>
+              </a:cxnLst>
+              <a:rect l="l" t="t" r="r" b="b"/>
+              <a:pathLst>
+                <a:path w="142875" h="9525">
+                  <a:moveTo>
+                    <a:pt x="0" y="0"/>
+                  </a:moveTo>
+                  <a:lnTo>
+                    <a:pt x="142875" y="0"/>
+                  </a:lnTo>
+                </a:path>
+              </a:pathLst>
+            </a:custGeom>
+            <a:solidFill>
+              <a:srgbClr val="000000"/>
+            </a:solidFill>
+            <a:ln w="133350" cap="rnd">
+              <a:solidFill>
+                <a:srgbClr val="EEEEEE"/>
+              </a:solidFill>
+              <a:prstDash val="solid"/>
+              <a:miter/>
+            </a:ln>
+          </p:spPr>
+          <p:txBody>
+            <a:bodyPr rtlCol="0" anchor="ctr"/>
+            <a:lstStyle/>
+            <a:p>
+              <a:endParaRPr lang="en-US"/>
+            </a:p>
+          </p:txBody>
+        </p:sp>
+        <p:sp>
+          <p:nvSpPr>
+            <p:cNvPr id="154" name="Freeform 153">
+              <a:extLst>
+                <a:ext uri="{FF2B5EF4-FFF2-40B4-BE49-F238E27FC236}">
+                  <a16:creationId xmlns:a16="http://schemas.microsoft.com/office/drawing/2014/main" id="{9D18829F-8B13-D18D-99D6-BA686B9DA650}"/>
+                </a:ext>
+              </a:extLst>
+            </p:cNvPr>
+            <p:cNvSpPr/>
+            <p:nvPr/>
+          </p:nvSpPr>
+          <p:spPr>
+            <a:xfrm>
+              <a:off x="2754160" y="3731713"/>
+              <a:ext cx="9525" cy="142875"/>
+            </a:xfrm>
+            <a:custGeom>
+              <a:avLst/>
+              <a:gdLst>
+                <a:gd name="connsiteX0" fmla="*/ 0 w 9525"/>
+                <a:gd name="connsiteY0" fmla="*/ 0 h 142875"/>
+                <a:gd name="connsiteX1" fmla="*/ 0 w 9525"/>
+                <a:gd name="connsiteY1" fmla="*/ 142875 h 142875"/>
+              </a:gdLst>
+              <a:ahLst/>
+              <a:cxnLst>
+                <a:cxn ang="0">
+                  <a:pos x="connsiteX0" y="connsiteY0"/>
+                </a:cxn>
+                <a:cxn ang="0">
+                  <a:pos x="connsiteX1" y="connsiteY1"/>
+                </a:cxn>
+              </a:cxnLst>
+              <a:rect l="l" t="t" r="r" b="b"/>
+              <a:pathLst>
+                <a:path w="9525" h="142875">
+                  <a:moveTo>
+                    <a:pt x="0" y="0"/>
+                  </a:moveTo>
+                  <a:lnTo>
+                    <a:pt x="0" y="142875"/>
+                  </a:lnTo>
+                </a:path>
+              </a:pathLst>
+            </a:custGeom>
+            <a:solidFill>
+              <a:srgbClr val="000000"/>
+            </a:solidFill>
+            <a:ln w="152400" cap="rnd">
+              <a:solidFill>
+                <a:srgbClr val="EEEEEE"/>
+              </a:solidFill>
+              <a:prstDash val="solid"/>
+              <a:miter/>
+            </a:ln>
+          </p:spPr>
+          <p:txBody>
+            <a:bodyPr rtlCol="0" anchor="ctr"/>
+            <a:lstStyle/>
+            <a:p>
+              <a:endParaRPr lang="en-US"/>
+            </a:p>
+          </p:txBody>
+        </p:sp>
+        <p:sp>
+          <p:nvSpPr>
+            <p:cNvPr id="155" name="Freeform 154">
+              <a:extLst>
+                <a:ext uri="{FF2B5EF4-FFF2-40B4-BE49-F238E27FC236}">
+                  <a16:creationId xmlns:a16="http://schemas.microsoft.com/office/drawing/2014/main" id="{462EDF77-3407-400A-01CD-DB499F8A224A}"/>
+                </a:ext>
+              </a:extLst>
+            </p:cNvPr>
+            <p:cNvSpPr/>
+            <p:nvPr/>
+          </p:nvSpPr>
+          <p:spPr>
+            <a:xfrm>
+              <a:off x="2135035" y="3282636"/>
+              <a:ext cx="9525" cy="152400"/>
+            </a:xfrm>
+            <a:custGeom>
+              <a:avLst/>
+              <a:gdLst>
+                <a:gd name="connsiteX0" fmla="*/ 0 w 9525"/>
+                <a:gd name="connsiteY0" fmla="*/ 0 h 152400"/>
+                <a:gd name="connsiteX1" fmla="*/ 0 w 9525"/>
+                <a:gd name="connsiteY1" fmla="*/ 152400 h 152400"/>
+              </a:gdLst>
+              <a:ahLst/>
+              <a:cxnLst>
+                <a:cxn ang="0">
+                  <a:pos x="connsiteX0" y="connsiteY0"/>
+                </a:cxn>
+                <a:cxn ang="0">
+                  <a:pos x="connsiteX1" y="connsiteY1"/>
+                </a:cxn>
+              </a:cxnLst>
+              <a:rect l="l" t="t" r="r" b="b"/>
+              <a:pathLst>
+                <a:path w="9525" h="152400">
+                  <a:moveTo>
+                    <a:pt x="0" y="0"/>
+                  </a:moveTo>
+                  <a:lnTo>
+                    <a:pt x="0" y="152400"/>
+                  </a:lnTo>
+                </a:path>
+              </a:pathLst>
+            </a:custGeom>
+            <a:solidFill>
+              <a:srgbClr val="000000"/>
+            </a:solidFill>
+            <a:ln w="9525" cap="flat">
+              <a:solidFill>
+                <a:srgbClr val="DDDDDD"/>
+              </a:solidFill>
+              <a:prstDash val="solid"/>
+              <a:miter/>
+            </a:ln>
+          </p:spPr>
+          <p:txBody>
+            <a:bodyPr rtlCol="0" anchor="ctr"/>
+            <a:lstStyle/>
+            <a:p>
+              <a:endParaRPr lang="en-US"/>
+            </a:p>
+          </p:txBody>
+        </p:sp>
+        <p:sp>
+          <p:nvSpPr>
+            <p:cNvPr id="156" name="Freeform 155">
+              <a:extLst>
+                <a:ext uri="{FF2B5EF4-FFF2-40B4-BE49-F238E27FC236}">
+                  <a16:creationId xmlns:a16="http://schemas.microsoft.com/office/drawing/2014/main" id="{9BC8A095-B771-5F90-424F-5ECCE42A82BA}"/>
+                </a:ext>
+              </a:extLst>
+            </p:cNvPr>
+            <p:cNvSpPr/>
+            <p:nvPr/>
+          </p:nvSpPr>
+          <p:spPr>
+            <a:xfrm>
+              <a:off x="2163610" y="3282636"/>
+              <a:ext cx="9525" cy="152400"/>
+            </a:xfrm>
+            <a:custGeom>
+              <a:avLst/>
+              <a:gdLst>
+                <a:gd name="connsiteX0" fmla="*/ 0 w 9525"/>
+                <a:gd name="connsiteY0" fmla="*/ 0 h 152400"/>
+                <a:gd name="connsiteX1" fmla="*/ 0 w 9525"/>
+                <a:gd name="connsiteY1" fmla="*/ 152400 h 152400"/>
+              </a:gdLst>
+              <a:ahLst/>
+              <a:cxnLst>
+                <a:cxn ang="0">
+                  <a:pos x="connsiteX0" y="connsiteY0"/>
+                </a:cxn>
+                <a:cxn ang="0">
+                  <a:pos x="connsiteX1" y="connsiteY1"/>
+                </a:cxn>
+              </a:cxnLst>
+              <a:rect l="l" t="t" r="r" b="b"/>
+              <a:pathLst>
+                <a:path w="9525" h="152400">
+                  <a:moveTo>
+                    <a:pt x="0" y="0"/>
+                  </a:moveTo>
+                  <a:lnTo>
+                    <a:pt x="0" y="152400"/>
+                  </a:lnTo>
+                </a:path>
+              </a:pathLst>
+            </a:custGeom>
+            <a:solidFill>
+              <a:srgbClr val="000000"/>
+            </a:solidFill>
+            <a:ln w="9525" cap="flat">
+              <a:solidFill>
+                <a:srgbClr val="DDDDDD"/>
+              </a:solidFill>
+              <a:prstDash val="solid"/>
+              <a:miter/>
+            </a:ln>
+          </p:spPr>
+          <p:txBody>
+            <a:bodyPr rtlCol="0" anchor="ctr"/>
+            <a:lstStyle/>
+            <a:p>
+              <a:endParaRPr lang="en-US"/>
+            </a:p>
+          </p:txBody>
+        </p:sp>
+        <p:sp>
+          <p:nvSpPr>
+            <p:cNvPr id="157" name="Freeform 156">
+              <a:extLst>
+                <a:ext uri="{FF2B5EF4-FFF2-40B4-BE49-F238E27FC236}">
+                  <a16:creationId xmlns:a16="http://schemas.microsoft.com/office/drawing/2014/main" id="{070CAF57-0400-B9E8-3C69-7B9928EB4AA1}"/>
+                </a:ext>
+              </a:extLst>
+            </p:cNvPr>
+            <p:cNvSpPr/>
+            <p:nvPr/>
+          </p:nvSpPr>
+          <p:spPr>
+            <a:xfrm>
+              <a:off x="2192185" y="3282636"/>
+              <a:ext cx="9525" cy="152400"/>
+            </a:xfrm>
+            <a:custGeom>
+              <a:avLst/>
+              <a:gdLst>
+                <a:gd name="connsiteX0" fmla="*/ 0 w 9525"/>
+                <a:gd name="connsiteY0" fmla="*/ 0 h 152400"/>
+                <a:gd name="connsiteX1" fmla="*/ 0 w 9525"/>
+                <a:gd name="connsiteY1" fmla="*/ 152400 h 152400"/>
+              </a:gdLst>
+              <a:ahLst/>
+              <a:cxnLst>
+                <a:cxn ang="0">
+                  <a:pos x="connsiteX0" y="connsiteY0"/>
+                </a:cxn>
+                <a:cxn ang="0">
+                  <a:pos x="connsiteX1" y="connsiteY1"/>
+                </a:cxn>
+              </a:cxnLst>
+              <a:rect l="l" t="t" r="r" b="b"/>
+              <a:pathLst>
+                <a:path w="9525" h="152400">
+                  <a:moveTo>
+                    <a:pt x="0" y="0"/>
+                  </a:moveTo>
+                  <a:lnTo>
+                    <a:pt x="0" y="152400"/>
+                  </a:lnTo>
+                </a:path>
+              </a:pathLst>
+            </a:custGeom>
+            <a:solidFill>
+              <a:srgbClr val="000000"/>
+            </a:solidFill>
+            <a:ln w="9525" cap="flat">
+              <a:solidFill>
+                <a:srgbClr val="DDDDDD"/>
+              </a:solidFill>
+              <a:prstDash val="solid"/>
+              <a:miter/>
+            </a:ln>
+          </p:spPr>
+          <p:txBody>
+            <a:bodyPr rtlCol="0" anchor="ctr"/>
+            <a:lstStyle/>
+            <a:p>
+              <a:endParaRPr lang="en-US"/>
+            </a:p>
+          </p:txBody>
+        </p:sp>
+        <p:sp>
+          <p:nvSpPr>
+            <p:cNvPr id="158" name="Freeform 157">
+              <a:extLst>
+                <a:ext uri="{FF2B5EF4-FFF2-40B4-BE49-F238E27FC236}">
+                  <a16:creationId xmlns:a16="http://schemas.microsoft.com/office/drawing/2014/main" id="{DCCC609E-868C-2D7D-D226-58E14F8B2D54}"/>
+                </a:ext>
+              </a:extLst>
+            </p:cNvPr>
+            <p:cNvSpPr/>
+            <p:nvPr/>
+          </p:nvSpPr>
+          <p:spPr>
+            <a:xfrm>
+              <a:off x="3344710" y="3282636"/>
+              <a:ext cx="9525" cy="152400"/>
+            </a:xfrm>
+            <a:custGeom>
+              <a:avLst/>
+              <a:gdLst>
+                <a:gd name="connsiteX0" fmla="*/ 0 w 9525"/>
+                <a:gd name="connsiteY0" fmla="*/ 0 h 152400"/>
+                <a:gd name="connsiteX1" fmla="*/ 0 w 9525"/>
+                <a:gd name="connsiteY1" fmla="*/ 152400 h 152400"/>
+              </a:gdLst>
+              <a:ahLst/>
+              <a:cxnLst>
+                <a:cxn ang="0">
+                  <a:pos x="connsiteX0" y="connsiteY0"/>
+                </a:cxn>
+                <a:cxn ang="0">
+                  <a:pos x="connsiteX1" y="connsiteY1"/>
+                </a:cxn>
+              </a:cxnLst>
+              <a:rect l="l" t="t" r="r" b="b"/>
+              <a:pathLst>
+                <a:path w="9525" h="152400">
+                  <a:moveTo>
+                    <a:pt x="0" y="0"/>
+                  </a:moveTo>
+                  <a:lnTo>
+                    <a:pt x="0" y="152400"/>
+                  </a:lnTo>
+                </a:path>
+              </a:pathLst>
+            </a:custGeom>
+            <a:solidFill>
+              <a:srgbClr val="000000"/>
+            </a:solidFill>
+            <a:ln w="9525" cap="flat">
+              <a:solidFill>
+                <a:srgbClr val="DDDDDD"/>
+              </a:solidFill>
+              <a:prstDash val="solid"/>
+              <a:miter/>
+            </a:ln>
+          </p:spPr>
+          <p:txBody>
+            <a:bodyPr rtlCol="0" anchor="ctr"/>
+            <a:lstStyle/>
+            <a:p>
+              <a:endParaRPr lang="en-US"/>
+            </a:p>
+          </p:txBody>
+        </p:sp>
+        <p:sp>
+          <p:nvSpPr>
+            <p:cNvPr id="159" name="Freeform 158">
+              <a:extLst>
+                <a:ext uri="{FF2B5EF4-FFF2-40B4-BE49-F238E27FC236}">
+                  <a16:creationId xmlns:a16="http://schemas.microsoft.com/office/drawing/2014/main" id="{5425C979-47A3-7366-D70B-7C2806CBFDF1}"/>
+                </a:ext>
+              </a:extLst>
+            </p:cNvPr>
+            <p:cNvSpPr/>
+            <p:nvPr/>
+          </p:nvSpPr>
+          <p:spPr>
+            <a:xfrm>
+              <a:off x="3373285" y="3282636"/>
+              <a:ext cx="9525" cy="152400"/>
+            </a:xfrm>
+            <a:custGeom>
+              <a:avLst/>
+              <a:gdLst>
+                <a:gd name="connsiteX0" fmla="*/ 0 w 9525"/>
+                <a:gd name="connsiteY0" fmla="*/ 0 h 152400"/>
+                <a:gd name="connsiteX1" fmla="*/ 0 w 9525"/>
+                <a:gd name="connsiteY1" fmla="*/ 152400 h 152400"/>
+              </a:gdLst>
+              <a:ahLst/>
+              <a:cxnLst>
+                <a:cxn ang="0">
+                  <a:pos x="connsiteX0" y="connsiteY0"/>
+                </a:cxn>
+                <a:cxn ang="0">
+                  <a:pos x="connsiteX1" y="connsiteY1"/>
+                </a:cxn>
+              </a:cxnLst>
+              <a:rect l="l" t="t" r="r" b="b"/>
+              <a:pathLst>
+                <a:path w="9525" h="152400">
+                  <a:moveTo>
+                    <a:pt x="0" y="0"/>
+                  </a:moveTo>
+                  <a:lnTo>
+                    <a:pt x="0" y="152400"/>
+                  </a:lnTo>
+                </a:path>
+              </a:pathLst>
+            </a:custGeom>
+            <a:solidFill>
+              <a:srgbClr val="000000"/>
+            </a:solidFill>
+            <a:ln w="9525" cap="flat">
+              <a:solidFill>
+                <a:srgbClr val="DDDDDD"/>
+              </a:solidFill>
+              <a:prstDash val="solid"/>
+              <a:miter/>
+            </a:ln>
+          </p:spPr>
+          <p:txBody>
+            <a:bodyPr rtlCol="0" anchor="ctr"/>
+            <a:lstStyle/>
+            <a:p>
+              <a:endParaRPr lang="en-US"/>
+            </a:p>
+          </p:txBody>
+        </p:sp>
+        <p:sp>
+          <p:nvSpPr>
+            <p:cNvPr id="160" name="Freeform 159">
+              <a:extLst>
+                <a:ext uri="{FF2B5EF4-FFF2-40B4-BE49-F238E27FC236}">
+                  <a16:creationId xmlns:a16="http://schemas.microsoft.com/office/drawing/2014/main" id="{587CB9CF-42B7-0B1B-6914-4E6FFA538A1C}"/>
+                </a:ext>
+              </a:extLst>
+            </p:cNvPr>
+            <p:cNvSpPr/>
+            <p:nvPr/>
+          </p:nvSpPr>
+          <p:spPr>
+            <a:xfrm>
+              <a:off x="2677960" y="3798388"/>
+              <a:ext cx="152400" cy="9525"/>
+            </a:xfrm>
+            <a:custGeom>
+              <a:avLst/>
+              <a:gdLst>
+                <a:gd name="connsiteX0" fmla="*/ 0 w 152400"/>
+                <a:gd name="connsiteY0" fmla="*/ 0 h 9525"/>
+                <a:gd name="connsiteX1" fmla="*/ 152400 w 152400"/>
+                <a:gd name="connsiteY1" fmla="*/ 0 h 9525"/>
+              </a:gdLst>
+              <a:ahLst/>
+              <a:cxnLst>
+                <a:cxn ang="0">
+                  <a:pos x="connsiteX0" y="connsiteY0"/>
+                </a:cxn>
+                <a:cxn ang="0">
+                  <a:pos x="connsiteX1" y="connsiteY1"/>
+                </a:cxn>
+              </a:cxnLst>
+              <a:rect l="l" t="t" r="r" b="b"/>
+              <a:pathLst>
+                <a:path w="152400" h="9525">
+                  <a:moveTo>
+                    <a:pt x="0" y="0"/>
+                  </a:moveTo>
+                  <a:lnTo>
+                    <a:pt x="152400" y="0"/>
+                  </a:lnTo>
+                </a:path>
+              </a:pathLst>
+            </a:custGeom>
+            <a:solidFill>
+              <a:srgbClr val="000000"/>
+            </a:solidFill>
+            <a:ln w="9525" cap="flat">
+              <a:solidFill>
+                <a:srgbClr val="DDDDDD"/>
+              </a:solidFill>
+              <a:prstDash val="solid"/>
+              <a:miter/>
+            </a:ln>
+          </p:spPr>
+          <p:txBody>
+            <a:bodyPr rtlCol="0" anchor="ctr"/>
+            <a:lstStyle/>
+            <a:p>
+              <a:endParaRPr lang="en-US"/>
+            </a:p>
+          </p:txBody>
+        </p:sp>
+        <p:sp>
+          <p:nvSpPr>
+            <p:cNvPr id="161" name="Freeform 160">
+              <a:extLst>
+                <a:ext uri="{FF2B5EF4-FFF2-40B4-BE49-F238E27FC236}">
+                  <a16:creationId xmlns:a16="http://schemas.microsoft.com/office/drawing/2014/main" id="{24302982-3E15-8A57-4953-06A5A6847FC4}"/>
+                </a:ext>
+              </a:extLst>
+            </p:cNvPr>
+            <p:cNvSpPr/>
+            <p:nvPr/>
+          </p:nvSpPr>
+          <p:spPr>
+            <a:xfrm>
+              <a:off x="2677960" y="3826963"/>
+              <a:ext cx="152400" cy="9525"/>
+            </a:xfrm>
+            <a:custGeom>
+              <a:avLst/>
+              <a:gdLst>
+                <a:gd name="connsiteX0" fmla="*/ 0 w 152400"/>
+                <a:gd name="connsiteY0" fmla="*/ 0 h 9525"/>
+                <a:gd name="connsiteX1" fmla="*/ 152400 w 152400"/>
+                <a:gd name="connsiteY1" fmla="*/ 0 h 9525"/>
+              </a:gdLst>
+              <a:ahLst/>
+              <a:cxnLst>
+                <a:cxn ang="0">
+                  <a:pos x="connsiteX0" y="connsiteY0"/>
+                </a:cxn>
+                <a:cxn ang="0">
+                  <a:pos x="connsiteX1" y="connsiteY1"/>
+                </a:cxn>
+              </a:cxnLst>
+              <a:rect l="l" t="t" r="r" b="b"/>
+              <a:pathLst>
+                <a:path w="152400" h="9525">
+                  <a:moveTo>
+                    <a:pt x="0" y="0"/>
+                  </a:moveTo>
+                  <a:lnTo>
+                    <a:pt x="152400" y="0"/>
+                  </a:lnTo>
+                </a:path>
+              </a:pathLst>
+            </a:custGeom>
+            <a:solidFill>
+              <a:srgbClr val="000000"/>
+            </a:solidFill>
+            <a:ln w="9525" cap="flat">
+              <a:solidFill>
+                <a:srgbClr val="DDDDDD"/>
+              </a:solidFill>
+              <a:prstDash val="solid"/>
+              <a:miter/>
+            </a:ln>
+          </p:spPr>
+          <p:txBody>
+            <a:bodyPr rtlCol="0" anchor="ctr"/>
+            <a:lstStyle/>
+            <a:p>
+              <a:endParaRPr lang="en-US"/>
+            </a:p>
+          </p:txBody>
+        </p:sp>
+        <p:sp>
+          <p:nvSpPr>
+            <p:cNvPr id="162" name="Freeform 161">
+              <a:extLst>
+                <a:ext uri="{FF2B5EF4-FFF2-40B4-BE49-F238E27FC236}">
+                  <a16:creationId xmlns:a16="http://schemas.microsoft.com/office/drawing/2014/main" id="{B885DA3B-7614-2FC2-FB9F-D94A840EE70C}"/>
+                </a:ext>
+              </a:extLst>
+            </p:cNvPr>
+            <p:cNvSpPr/>
+            <p:nvPr/>
+          </p:nvSpPr>
+          <p:spPr>
+            <a:xfrm>
+              <a:off x="2677960" y="3855538"/>
+              <a:ext cx="152400" cy="9525"/>
+            </a:xfrm>
+            <a:custGeom>
+              <a:avLst/>
+              <a:gdLst>
+                <a:gd name="connsiteX0" fmla="*/ 0 w 152400"/>
+                <a:gd name="connsiteY0" fmla="*/ 0 h 9525"/>
+                <a:gd name="connsiteX1" fmla="*/ 152400 w 152400"/>
+                <a:gd name="connsiteY1" fmla="*/ 0 h 9525"/>
+              </a:gdLst>
+              <a:ahLst/>
+              <a:cxnLst>
+                <a:cxn ang="0">
+                  <a:pos x="connsiteX0" y="connsiteY0"/>
+                </a:cxn>
+                <a:cxn ang="0">
+                  <a:pos x="connsiteX1" y="connsiteY1"/>
+                </a:cxn>
+              </a:cxnLst>
+              <a:rect l="l" t="t" r="r" b="b"/>
+              <a:pathLst>
+                <a:path w="152400" h="9525">
+                  <a:moveTo>
+                    <a:pt x="0" y="0"/>
+                  </a:moveTo>
+                  <a:lnTo>
+                    <a:pt x="152400" y="0"/>
+                  </a:lnTo>
+                </a:path>
+              </a:pathLst>
+            </a:custGeom>
+            <a:solidFill>
+              <a:srgbClr val="000000"/>
+            </a:solidFill>
+            <a:ln w="9525" cap="flat">
+              <a:solidFill>
+                <a:srgbClr val="DDDDDD"/>
+              </a:solidFill>
+              <a:prstDash val="solid"/>
+              <a:miter/>
+            </a:ln>
+          </p:spPr>
+          <p:txBody>
+            <a:bodyPr rtlCol="0" anchor="ctr"/>
+            <a:lstStyle/>
+            <a:p>
+              <a:endParaRPr lang="en-US"/>
+            </a:p>
+          </p:txBody>
+        </p:sp>
+        <p:sp>
+          <p:nvSpPr>
+            <p:cNvPr id="163" name="Freeform 162">
+              <a:extLst>
+                <a:ext uri="{FF2B5EF4-FFF2-40B4-BE49-F238E27FC236}">
+                  <a16:creationId xmlns:a16="http://schemas.microsoft.com/office/drawing/2014/main" id="{CC316F51-2A01-BA78-7305-14DB8AEB7464}"/>
+                </a:ext>
+              </a:extLst>
+            </p:cNvPr>
+            <p:cNvSpPr/>
+            <p:nvPr/>
+          </p:nvSpPr>
+          <p:spPr>
+            <a:xfrm>
+              <a:off x="2373160" y="3168336"/>
+              <a:ext cx="762000" cy="381000"/>
+            </a:xfrm>
+            <a:custGeom>
+              <a:avLst/>
+              <a:gdLst>
+                <a:gd name="connsiteX0" fmla="*/ 0 w 762000"/>
+                <a:gd name="connsiteY0" fmla="*/ 0 h 381000"/>
+                <a:gd name="connsiteX1" fmla="*/ 381000 w 762000"/>
+                <a:gd name="connsiteY1" fmla="*/ 0 h 381000"/>
+                <a:gd name="connsiteX2" fmla="*/ 762000 w 762000"/>
+                <a:gd name="connsiteY2" fmla="*/ 0 h 381000"/>
+                <a:gd name="connsiteX3" fmla="*/ 762000 w 762000"/>
+                <a:gd name="connsiteY3" fmla="*/ 190500 h 381000"/>
+                <a:gd name="connsiteX4" fmla="*/ 762000 w 762000"/>
+                <a:gd name="connsiteY4" fmla="*/ 381000 h 381000"/>
+                <a:gd name="connsiteX5" fmla="*/ 381000 w 762000"/>
+                <a:gd name="connsiteY5" fmla="*/ 381000 h 381000"/>
+                <a:gd name="connsiteX6" fmla="*/ 0 w 762000"/>
+                <a:gd name="connsiteY6" fmla="*/ 381000 h 381000"/>
+                <a:gd name="connsiteX7" fmla="*/ 0 w 762000"/>
+                <a:gd name="connsiteY7" fmla="*/ 190500 h 381000"/>
+              </a:gdLst>
+              <a:ahLst/>
+              <a:cxnLst>
+                <a:cxn ang="0">
+                  <a:pos x="connsiteX0" y="connsiteY0"/>
+                </a:cxn>
+                <a:cxn ang="0">
+                  <a:pos x="connsiteX1" y="connsiteY1"/>
+                </a:cxn>
+                <a:cxn ang="0">
+                  <a:pos x="connsiteX2" y="connsiteY2"/>
+                </a:cxn>
+                <a:cxn ang="0">
+                  <a:pos x="connsiteX3" y="connsiteY3"/>
+                </a:cxn>
+                <a:cxn ang="0">
+                  <a:pos x="connsiteX4" y="connsiteY4"/>
+                </a:cxn>
+                <a:cxn ang="0">
+                  <a:pos x="connsiteX5" y="connsiteY5"/>
+                </a:cxn>
+                <a:cxn ang="0">
+                  <a:pos x="connsiteX6" y="connsiteY6"/>
+                </a:cxn>
+                <a:cxn ang="0">
+                  <a:pos x="connsiteX7" y="connsiteY7"/>
+                </a:cxn>
+              </a:cxnLst>
+              <a:rect l="l" t="t" r="r" b="b"/>
+              <a:pathLst>
+                <a:path w="762000" h="381000">
+                  <a:moveTo>
+                    <a:pt x="0" y="0"/>
+                  </a:moveTo>
+                  <a:lnTo>
+                    <a:pt x="381000" y="0"/>
+                  </a:lnTo>
+                  <a:lnTo>
+                    <a:pt x="762000" y="0"/>
+                  </a:lnTo>
+                  <a:lnTo>
+                    <a:pt x="762000" y="190500"/>
+                  </a:lnTo>
+                  <a:lnTo>
+                    <a:pt x="762000" y="381000"/>
+                  </a:lnTo>
+                  <a:lnTo>
+                    <a:pt x="381000" y="381000"/>
+                  </a:lnTo>
+                  <a:lnTo>
+                    <a:pt x="0" y="381000"/>
+                  </a:lnTo>
+                  <a:lnTo>
+                    <a:pt x="0" y="190500"/>
+                  </a:lnTo>
+                  <a:close/>
+                </a:path>
+              </a:pathLst>
+            </a:custGeom>
+            <a:solidFill>
+              <a:srgbClr val="0055DD"/>
+            </a:solidFill>
+            <a:ln w="9525" cap="flat">
+              <a:solidFill>
+                <a:srgbClr val="0044BB"/>
+              </a:solidFill>
+              <a:prstDash val="solid"/>
+              <a:miter/>
+            </a:ln>
+          </p:spPr>
+          <p:txBody>
+            <a:bodyPr rtlCol="0" anchor="ctr"/>
+            <a:lstStyle/>
+            <a:p>
+              <a:endParaRPr lang="en-US"/>
+            </a:p>
+          </p:txBody>
+        </p:sp>
+        <p:sp>
+          <p:nvSpPr>
+            <p:cNvPr id="164" name="Freeform 163">
+              <a:extLst>
+                <a:ext uri="{FF2B5EF4-FFF2-40B4-BE49-F238E27FC236}">
+                  <a16:creationId xmlns:a16="http://schemas.microsoft.com/office/drawing/2014/main" id="{D100249E-42DA-6B31-9CB3-5505375613B3}"/>
+                </a:ext>
+              </a:extLst>
+            </p:cNvPr>
+            <p:cNvSpPr/>
+            <p:nvPr/>
+          </p:nvSpPr>
+          <p:spPr>
+            <a:xfrm>
+              <a:off x="2611285" y="3025461"/>
+              <a:ext cx="285750" cy="333375"/>
+            </a:xfrm>
+            <a:custGeom>
+              <a:avLst/>
+              <a:gdLst>
+                <a:gd name="connsiteX0" fmla="*/ 0 w 285750"/>
+                <a:gd name="connsiteY0" fmla="*/ 0 h 333375"/>
+                <a:gd name="connsiteX1" fmla="*/ 285750 w 285750"/>
+                <a:gd name="connsiteY1" fmla="*/ 0 h 333375"/>
+                <a:gd name="connsiteX2" fmla="*/ 285750 w 285750"/>
+                <a:gd name="connsiteY2" fmla="*/ 190500 h 333375"/>
+                <a:gd name="connsiteX3" fmla="*/ 190500 w 285750"/>
+                <a:gd name="connsiteY3" fmla="*/ 333375 h 333375"/>
+                <a:gd name="connsiteX4" fmla="*/ 95250 w 285750"/>
+                <a:gd name="connsiteY4" fmla="*/ 333375 h 333375"/>
+                <a:gd name="connsiteX5" fmla="*/ 0 w 285750"/>
+                <a:gd name="connsiteY5" fmla="*/ 190500 h 333375"/>
+              </a:gdLst>
+              <a:ahLst/>
+              <a:cxnLst>
+                <a:cxn ang="0">
+                  <a:pos x="connsiteX0" y="connsiteY0"/>
+                </a:cxn>
+                <a:cxn ang="0">
+                  <a:pos x="connsiteX1" y="connsiteY1"/>
+                </a:cxn>
+                <a:cxn ang="0">
+                  <a:pos x="connsiteX2" y="connsiteY2"/>
+                </a:cxn>
+                <a:cxn ang="0">
+                  <a:pos x="connsiteX3" y="connsiteY3"/>
+                </a:cxn>
+                <a:cxn ang="0">
+                  <a:pos x="connsiteX4" y="connsiteY4"/>
+                </a:cxn>
+                <a:cxn ang="0">
+                  <a:pos x="connsiteX5" y="connsiteY5"/>
+                </a:cxn>
+              </a:cxnLst>
+              <a:rect l="l" t="t" r="r" b="b"/>
+              <a:pathLst>
+                <a:path w="285750" h="333375">
+                  <a:moveTo>
+                    <a:pt x="0" y="0"/>
+                  </a:moveTo>
+                  <a:lnTo>
+                    <a:pt x="285750" y="0"/>
+                  </a:lnTo>
+                  <a:lnTo>
+                    <a:pt x="285750" y="190500"/>
+                  </a:lnTo>
+                  <a:lnTo>
+                    <a:pt x="190500" y="333375"/>
+                  </a:lnTo>
+                  <a:lnTo>
+                    <a:pt x="95250" y="333375"/>
+                  </a:lnTo>
+                  <a:lnTo>
+                    <a:pt x="0" y="190500"/>
+                  </a:lnTo>
+                  <a:close/>
+                </a:path>
+              </a:pathLst>
+            </a:custGeom>
+            <a:solidFill>
+              <a:srgbClr val="0033AA"/>
+            </a:solidFill>
+            <a:ln w="9525" cap="flat">
+              <a:solidFill>
+                <a:srgbClr val="0022AA"/>
+              </a:solidFill>
+              <a:prstDash val="solid"/>
+              <a:miter/>
+            </a:ln>
+          </p:spPr>
+          <p:txBody>
+            <a:bodyPr rtlCol="0" anchor="ctr"/>
+            <a:lstStyle/>
+            <a:p>
+              <a:endParaRPr lang="en-US"/>
+            </a:p>
+          </p:txBody>
+        </p:sp>
+        <p:sp>
+          <p:nvSpPr>
+            <p:cNvPr id="165" name="Freeform 164">
+              <a:extLst>
+                <a:ext uri="{FF2B5EF4-FFF2-40B4-BE49-F238E27FC236}">
+                  <a16:creationId xmlns:a16="http://schemas.microsoft.com/office/drawing/2014/main" id="{400E7425-951D-21A6-047A-4747B246D676}"/>
+                </a:ext>
+              </a:extLst>
+            </p:cNvPr>
+            <p:cNvSpPr/>
+            <p:nvPr/>
+          </p:nvSpPr>
+          <p:spPr>
+            <a:xfrm>
+              <a:off x="2658910" y="3263586"/>
+              <a:ext cx="190500" cy="190500"/>
+            </a:xfrm>
+            <a:custGeom>
+              <a:avLst/>
+              <a:gdLst>
+                <a:gd name="connsiteX0" fmla="*/ 190500 w 190500"/>
+                <a:gd name="connsiteY0" fmla="*/ 95250 h 190500"/>
+                <a:gd name="connsiteX1" fmla="*/ 95250 w 190500"/>
+                <a:gd name="connsiteY1" fmla="*/ 190500 h 190500"/>
+                <a:gd name="connsiteX2" fmla="*/ 0 w 190500"/>
+                <a:gd name="connsiteY2" fmla="*/ 95250 h 190500"/>
+                <a:gd name="connsiteX3" fmla="*/ 95250 w 190500"/>
+                <a:gd name="connsiteY3" fmla="*/ 0 h 190500"/>
+                <a:gd name="connsiteX4" fmla="*/ 190500 w 190500"/>
+                <a:gd name="connsiteY4" fmla="*/ 95250 h 190500"/>
+              </a:gdLst>
+              <a:ahLst/>
+              <a:cxnLst>
+                <a:cxn ang="0">
+                  <a:pos x="connsiteX0" y="connsiteY0"/>
+                </a:cxn>
+                <a:cxn ang="0">
+                  <a:pos x="connsiteX1" y="connsiteY1"/>
+                </a:cxn>
+                <a:cxn ang="0">
+                  <a:pos x="connsiteX2" y="connsiteY2"/>
+                </a:cxn>
+                <a:cxn ang="0">
+                  <a:pos x="connsiteX3" y="connsiteY3"/>
+                </a:cxn>
+                <a:cxn ang="0">
+                  <a:pos x="connsiteX4" y="connsiteY4"/>
+                </a:cxn>
+              </a:cxnLst>
+              <a:rect l="l" t="t" r="r" b="b"/>
+              <a:pathLst>
+                <a:path w="190500" h="190500">
+                  <a:moveTo>
+                    <a:pt x="190500" y="95250"/>
+                  </a:moveTo>
+                  <a:cubicBezTo>
+                    <a:pt x="190500" y="147855"/>
+                    <a:pt x="147855" y="190500"/>
+                    <a:pt x="95250" y="190500"/>
+                  </a:cubicBezTo>
+                  <a:cubicBezTo>
+                    <a:pt x="42645" y="190500"/>
+                    <a:pt x="0" y="147855"/>
+                    <a:pt x="0" y="95250"/>
+                  </a:cubicBezTo>
+                  <a:cubicBezTo>
+                    <a:pt x="0" y="42645"/>
+                    <a:pt x="42645" y="0"/>
+                    <a:pt x="95250" y="0"/>
+                  </a:cubicBezTo>
+                  <a:cubicBezTo>
+                    <a:pt x="147855" y="0"/>
+                    <a:pt x="190500" y="42645"/>
+                    <a:pt x="190500" y="95250"/>
+                  </a:cubicBezTo>
+                  <a:close/>
+                </a:path>
+              </a:pathLst>
+            </a:custGeom>
+            <a:solidFill>
+              <a:srgbClr val="001155"/>
+            </a:solidFill>
+            <a:ln w="9525" cap="flat">
+              <a:noFill/>
+              <a:prstDash val="solid"/>
+              <a:miter/>
+            </a:ln>
+          </p:spPr>
+          <p:txBody>
+            <a:bodyPr rtlCol="0" anchor="ctr"/>
+            <a:lstStyle/>
+            <a:p>
+              <a:endParaRPr lang="en-US"/>
+            </a:p>
+          </p:txBody>
+        </p:sp>
+      </p:grpSp>
     </p:spTree>
     <p:extLst>
       <p:ext uri="{BB962C8B-B14F-4D97-AF65-F5344CB8AC3E}">
